--- a/documentation/431 Final Project.pptx
+++ b/documentation/431 Final Project.pptx
@@ -9195,7 +9195,7 @@
         </p:nvSpPr>
         <p:spPr>
           <a:xfrm>
-            <a:off x="1692812" y="691714"/>
+            <a:off x="1185863" y="745443"/>
             <a:ext cx="8911687" cy="1280890"/>
           </a:xfrm>
         </p:spPr>
@@ -9210,31 +9210,56 @@
           </a:p>
         </p:txBody>
       </p:sp>
-      <p:sp>
-        <p:nvSpPr>
-          <p:cNvPr id="3" name="Content Placeholder 2">
+      <p:pic>
+        <p:nvPicPr>
+          <p:cNvPr id="5" name="Content Placeholder 4">
             <a:extLst>
               <a:ext uri="{FF2B5EF4-FFF2-40B4-BE49-F238E27FC236}">
-                <a16:creationId xmlns:a16="http://schemas.microsoft.com/office/drawing/2014/main" id="{3F8E1513-20A2-204E-A7EE-8F92FBD12899}"/>
+                <a16:creationId xmlns:a16="http://schemas.microsoft.com/office/drawing/2014/main" id="{BB02A47F-55AF-4546-902A-4D69DF4495AC}"/>
               </a:ext>
             </a:extLst>
           </p:cNvPr>
-          <p:cNvSpPr>
-            <a:spLocks noGrp="1"/>
-          </p:cNvSpPr>
+          <p:cNvPicPr>
+            <a:picLocks noGrp="1" noChangeAspect="1"/>
+          </p:cNvPicPr>
           <p:nvPr>
             <p:ph idx="1"/>
           </p:nvPr>
-        </p:nvSpPr>
-        <p:spPr/>
-        <p:txBody>
-          <a:bodyPr/>
-          <a:lstStyle/>
-          <a:p>
-            <a:endParaRPr lang="en-US"/>
-          </a:p>
-        </p:txBody>
-      </p:sp>
+        </p:nvPicPr>
+        <p:blipFill>
+          <a:blip r:embed="rId2">
+            <a:alphaModFix amt="80000"/>
+          </a:blip>
+          <a:stretch>
+            <a:fillRect/>
+          </a:stretch>
+        </p:blipFill>
+        <p:spPr>
+          <a:xfrm>
+            <a:off x="1185863" y="1385888"/>
+            <a:ext cx="10029825" cy="5079206"/>
+          </a:xfrm>
+          <a:gradFill>
+            <a:gsLst>
+              <a:gs pos="0">
+                <a:schemeClr val="bg2">
+                  <a:tint val="90000"/>
+                  <a:satMod val="92000"/>
+                  <a:lumMod val="120000"/>
+                </a:schemeClr>
+              </a:gs>
+              <a:gs pos="100000">
+                <a:schemeClr val="accent6">
+                  <a:lumMod val="50000"/>
+                </a:schemeClr>
+              </a:gs>
+            </a:gsLst>
+            <a:path path="circle">
+              <a:fillToRect l="50000" t="50000" r="100000" b="100000"/>
+            </a:path>
+          </a:gradFill>
+        </p:spPr>
+      </p:pic>
     </p:spTree>
     <p:extLst>
       <p:ext uri="{BB962C8B-B14F-4D97-AF65-F5344CB8AC3E}">
@@ -9300,10 +9325,10 @@
       </p:sp>
       <p:pic>
         <p:nvPicPr>
-          <p:cNvPr id="6" name="Content Placeholder 5">
+          <p:cNvPr id="5" name="Content Placeholder 4">
             <a:extLst>
               <a:ext uri="{FF2B5EF4-FFF2-40B4-BE49-F238E27FC236}">
-                <a16:creationId xmlns:a16="http://schemas.microsoft.com/office/drawing/2014/main" id="{2871E79F-0443-D549-ACC3-2EA259FDAA5E}"/>
+                <a16:creationId xmlns:a16="http://schemas.microsoft.com/office/drawing/2014/main" id="{DA5122C5-F59D-A246-9EAD-65D565DA6C3A}"/>
               </a:ext>
             </a:extLst>
           </p:cNvPr>
@@ -9324,8 +9349,8 @@
         </p:blipFill>
         <p:spPr>
           <a:xfrm>
-            <a:off x="1345474" y="1255685"/>
-            <a:ext cx="10058400" cy="5227281"/>
+            <a:off x="1345474" y="1214438"/>
+            <a:ext cx="9913076" cy="5186362"/>
           </a:xfrm>
           <a:gradFill>
             <a:gsLst>
@@ -9540,17 +9565,15 @@
           <p:nvPr/>
         </p:nvPicPr>
         <p:blipFill>
-          <a:blip r:embed="rId2">
-            <a:alphaModFix amt="85000"/>
-          </a:blip>
+          <a:blip r:embed="rId2"/>
           <a:stretch>
             <a:fillRect/>
           </a:stretch>
         </p:blipFill>
         <p:spPr>
           <a:xfrm>
-            <a:off x="6517037" y="1709056"/>
-            <a:ext cx="5299385" cy="4195356"/>
+            <a:off x="6517037" y="1709648"/>
+            <a:ext cx="5299385" cy="4194172"/>
           </a:xfrm>
           <a:prstGeom prst="rect">
             <a:avLst/>
@@ -9593,17 +9616,15 @@
           </p:nvPr>
         </p:nvPicPr>
         <p:blipFill>
-          <a:blip r:embed="rId3">
-            <a:alphaModFix amt="85000"/>
-          </a:blip>
+          <a:blip r:embed="rId3"/>
           <a:stretch>
             <a:fillRect/>
           </a:stretch>
         </p:blipFill>
         <p:spPr>
           <a:xfrm>
-            <a:off x="828610" y="1709056"/>
-            <a:ext cx="5567545" cy="4195356"/>
+            <a:off x="828610" y="1709648"/>
+            <a:ext cx="5567545" cy="4194172"/>
           </a:xfrm>
           <a:gradFill>
             <a:gsLst>

--- a/documentation/431 Final Project.pptx
+++ b/documentation/431 Final Project.pptx
@@ -8252,7 +8252,12 @@
             <p:ph type="title"/>
           </p:nvPr>
         </p:nvSpPr>
-        <p:spPr/>
+        <p:spPr>
+          <a:xfrm>
+            <a:off x="1107025" y="852710"/>
+            <a:ext cx="8911687" cy="1280890"/>
+          </a:xfrm>
+        </p:spPr>
         <p:txBody>
           <a:bodyPr/>
           <a:lstStyle/>
@@ -8280,12 +8285,94 @@
             <p:ph idx="1"/>
           </p:nvPr>
         </p:nvSpPr>
-        <p:spPr/>
-        <p:txBody>
-          <a:bodyPr/>
+        <p:spPr>
+          <a:xfrm>
+            <a:off x="1214438" y="2133600"/>
+            <a:ext cx="10290174" cy="3777622"/>
+          </a:xfrm>
+        </p:spPr>
+        <p:txBody>
+          <a:bodyPr>
+            <a:normAutofit/>
+          </a:bodyPr>
           <a:lstStyle/>
           <a:p>
-            <a:endParaRPr lang="en-US"/>
+            <a:r>
+              <a:rPr lang="en-US" sz="2000" b="1" dirty="0"/>
+              <a:t>Configuration Management</a:t>
+            </a:r>
+            <a:endParaRPr lang="en-US" sz="2000" dirty="0"/>
+          </a:p>
+          <a:p>
+            <a:pPr lvl="0"/>
+            <a:r>
+              <a:rPr lang="en-US" sz="2000" dirty="0"/>
+              <a:t>Slack – Communication for when we are unable to meet and work together</a:t>
+            </a:r>
+          </a:p>
+          <a:p>
+            <a:pPr lvl="0"/>
+            <a:r>
+              <a:rPr lang="en-US" sz="2000" dirty="0"/>
+              <a:t>Git &amp; </a:t>
+            </a:r>
+            <a:r>
+              <a:rPr lang="en-US" sz="2000" dirty="0" err="1"/>
+              <a:t>Github</a:t>
+            </a:r>
+            <a:r>
+              <a:rPr lang="en-US" sz="2000" dirty="0"/>
+              <a:t> – Used to control documentation source and source code</a:t>
+            </a:r>
+          </a:p>
+          <a:p>
+            <a:pPr lvl="0"/>
+            <a:r>
+              <a:rPr lang="en-US" sz="2000" dirty="0"/>
+              <a:t>Lucid Chart – Used for creating views</a:t>
+            </a:r>
+          </a:p>
+          <a:p>
+            <a:pPr lvl="0"/>
+            <a:r>
+              <a:rPr lang="en-US" sz="2000" dirty="0"/>
+              <a:t>Atom – Text Editor used for writing code (Integrates with </a:t>
+            </a:r>
+            <a:r>
+              <a:rPr lang="en-US" sz="2000" dirty="0" err="1"/>
+              <a:t>Github</a:t>
+            </a:r>
+            <a:r>
+              <a:rPr lang="en-US" sz="2000" dirty="0"/>
+              <a:t>)</a:t>
+            </a:r>
+          </a:p>
+          <a:p>
+            <a:pPr lvl="0"/>
+            <a:r>
+              <a:rPr lang="en-US" sz="2000" dirty="0"/>
+              <a:t>Apache – Web Server</a:t>
+            </a:r>
+          </a:p>
+          <a:p>
+            <a:pPr lvl="0"/>
+            <a:r>
+              <a:rPr lang="en-US" sz="2000" dirty="0"/>
+              <a:t>MySQL – Relation Database Server</a:t>
+            </a:r>
+          </a:p>
+          <a:p>
+            <a:pPr lvl="0"/>
+            <a:r>
+              <a:rPr lang="en-US" sz="2000" dirty="0"/>
+              <a:t>Linux(Ubuntu 16.04) – OS for running servers</a:t>
+            </a:r>
+          </a:p>
+          <a:p>
+            <a:pPr marL="0" indent="0">
+              <a:buNone/>
+            </a:pPr>
+            <a:endParaRPr lang="en-US" dirty="0"/>
           </a:p>
         </p:txBody>
       </p:sp>
@@ -9677,42 +9764,331 @@
           <a:chExt cx="0" cy="0"/>
         </a:xfrm>
       </p:grpSpPr>
-      <p:sp>
-        <p:nvSpPr>
-          <p:cNvPr id="2" name="Title 1">
+      <p:sp useBgFill="1">
+        <p:nvSpPr>
+          <p:cNvPr id="13" name="Rectangle 12">
             <a:extLst>
               <a:ext uri="{FF2B5EF4-FFF2-40B4-BE49-F238E27FC236}">
-                <a16:creationId xmlns:a16="http://schemas.microsoft.com/office/drawing/2014/main" id="{E4098E42-CF5F-484E-A94E-871A828C153B}"/>
+                <a16:creationId xmlns:a16="http://schemas.microsoft.com/office/drawing/2014/main" id="{3F4C104D-5F30-4811-9376-566B26E4719A}"/>
               </a:ext>
             </a:extLst>
           </p:cNvPr>
           <p:cNvSpPr>
-            <a:spLocks noGrp="1"/>
-          </p:cNvSpPr>
-          <p:nvPr>
-            <p:ph type="title"/>
+            <a:spLocks noGrp="1" noRot="1" noChangeAspect="1" noMove="1" noResize="1" noEditPoints="1" noAdjustHandles="1" noChangeArrowheads="1" noChangeShapeType="1" noTextEdit="1"/>
+          </p:cNvSpPr>
+          <p:nvPr>
+            <p:extLst>
+              <p:ext uri="{386F3935-93C4-4BCD-93E2-E3B085C9AB24}">
+                <p16:designElem xmlns:p16="http://schemas.microsoft.com/office/powerpoint/2015/main" val="1"/>
+              </p:ext>
+            </p:extLst>
           </p:nvPr>
         </p:nvSpPr>
         <p:spPr>
           <a:xfrm>
-            <a:off x="1200150" y="693055"/>
-            <a:ext cx="8911687" cy="1280890"/>
+            <a:off x="0" y="-786"/>
+            <a:ext cx="12192000" cy="6854038"/>
           </a:xfrm>
+          <a:prstGeom prst="rect">
+            <a:avLst/>
+          </a:prstGeom>
+          <a:ln>
+            <a:noFill/>
+          </a:ln>
         </p:spPr>
-        <p:txBody>
-          <a:bodyPr/>
+        <p:style>
+          <a:lnRef idx="2">
+            <a:schemeClr val="accent1">
+              <a:shade val="50000"/>
+            </a:schemeClr>
+          </a:lnRef>
+          <a:fillRef idx="1">
+            <a:schemeClr val="accent1"/>
+          </a:fillRef>
+          <a:effectRef idx="0">
+            <a:schemeClr val="accent1"/>
+          </a:effectRef>
+          <a:fontRef idx="minor">
+            <a:schemeClr val="lt1"/>
+          </a:fontRef>
+        </p:style>
+        <p:txBody>
+          <a:bodyPr rtlCol="0" anchor="ctr"/>
           <a:lstStyle/>
           <a:p>
-            <a:r>
-              <a:rPr lang="en-US" dirty="0"/>
-              <a:t>REQUIREMENT VIEW</a:t>
-            </a:r>
+            <a:pPr algn="ctr"/>
+            <a:endParaRPr lang="en-US"/>
+          </a:p>
+        </p:txBody>
+      </p:sp>
+      <p:sp>
+        <p:nvSpPr>
+          <p:cNvPr id="15" name="Rectangle 14">
+            <a:extLst>
+              <a:ext uri="{FF2B5EF4-FFF2-40B4-BE49-F238E27FC236}">
+                <a16:creationId xmlns:a16="http://schemas.microsoft.com/office/drawing/2014/main" id="{0815E34B-5D02-4E01-A936-E8E1C0AB6F12}"/>
+              </a:ext>
+            </a:extLst>
+          </p:cNvPr>
+          <p:cNvSpPr>
+            <a:spLocks noGrp="1" noRot="1" noChangeAspect="1" noMove="1" noResize="1" noEditPoints="1" noAdjustHandles="1" noChangeArrowheads="1" noChangeShapeType="1" noTextEdit="1"/>
+          </p:cNvSpPr>
+          <p:nvPr>
+            <p:extLst>
+              <p:ext uri="{386F3935-93C4-4BCD-93E2-E3B085C9AB24}">
+                <p16:designElem xmlns:p16="http://schemas.microsoft.com/office/powerpoint/2015/main" val="1"/>
+              </p:ext>
+            </p:extLst>
+          </p:nvPr>
+        </p:nvSpPr>
+        <p:spPr>
+          <a:xfrm>
+            <a:off x="0" y="0"/>
+            <a:ext cx="182880" cy="6858000"/>
+          </a:xfrm>
+          <a:prstGeom prst="rect">
+            <a:avLst/>
+          </a:prstGeom>
+          <a:solidFill>
+            <a:schemeClr val="tx2"/>
+          </a:solidFill>
+          <a:ln>
+            <a:noFill/>
+          </a:ln>
+          <a:effectLst/>
+        </p:spPr>
+        <p:style>
+          <a:lnRef idx="1">
+            <a:schemeClr val="accent1"/>
+          </a:lnRef>
+          <a:fillRef idx="3">
+            <a:schemeClr val="accent1"/>
+          </a:fillRef>
+          <a:effectRef idx="2">
+            <a:schemeClr val="accent1"/>
+          </a:effectRef>
+          <a:fontRef idx="minor">
+            <a:schemeClr val="lt1"/>
+          </a:fontRef>
+        </p:style>
+      </p:sp>
+      <p:sp>
+        <p:nvSpPr>
+          <p:cNvPr id="17" name="Freeform 11">
+            <a:extLst>
+              <a:ext uri="{FF2B5EF4-FFF2-40B4-BE49-F238E27FC236}">
+                <a16:creationId xmlns:a16="http://schemas.microsoft.com/office/drawing/2014/main" id="{7DE3414B-B032-4710-A468-D3285E38C5FF}"/>
+              </a:ext>
+            </a:extLst>
+          </p:cNvPr>
+          <p:cNvSpPr>
+            <a:spLocks noGrp="1" noRot="1" noChangeAspect="1" noMove="1" noResize="1" noEditPoints="1" noAdjustHandles="1" noChangeArrowheads="1" noChangeShapeType="1" noTextEdit="1"/>
+          </p:cNvSpPr>
+          <p:nvPr>
+            <p:extLst>
+              <p:ext uri="{386F3935-93C4-4BCD-93E2-E3B085C9AB24}">
+                <p16:designElem xmlns:p16="http://schemas.microsoft.com/office/powerpoint/2015/main" val="1"/>
+              </p:ext>
+            </p:extLst>
+          </p:nvPr>
+        </p:nvSpPr>
+        <p:spPr>
+          <a:xfrm>
+            <a:off x="-1" y="6061223"/>
+            <a:ext cx="1038036" cy="506277"/>
+          </a:xfrm>
+          <a:custGeom>
+            <a:avLst/>
+            <a:gdLst>
+              <a:gd name="connsiteX0" fmla="*/ 0 w 1038036"/>
+              <a:gd name="connsiteY0" fmla="*/ 0 h 506277"/>
+              <a:gd name="connsiteX1" fmla="*/ 182880 w 1038036"/>
+              <a:gd name="connsiteY1" fmla="*/ 0 h 506277"/>
+              <a:gd name="connsiteX2" fmla="*/ 291705 w 1038036"/>
+              <a:gd name="connsiteY2" fmla="*/ 0 h 506277"/>
+              <a:gd name="connsiteX3" fmla="*/ 291705 w 1038036"/>
+              <a:gd name="connsiteY3" fmla="*/ 151 h 506277"/>
+              <a:gd name="connsiteX4" fmla="*/ 692049 w 1038036"/>
+              <a:gd name="connsiteY4" fmla="*/ 705 h 506277"/>
+              <a:gd name="connsiteX5" fmla="*/ 782744 w 1038036"/>
+              <a:gd name="connsiteY5" fmla="*/ 705 h 506277"/>
+              <a:gd name="connsiteX6" fmla="*/ 797001 w 1038036"/>
+              <a:gd name="connsiteY6" fmla="*/ 5473 h 506277"/>
+              <a:gd name="connsiteX7" fmla="*/ 801982 w 1038036"/>
+              <a:gd name="connsiteY7" fmla="*/ 10242 h 506277"/>
+              <a:gd name="connsiteX8" fmla="*/ 1030951 w 1038036"/>
+              <a:gd name="connsiteY8" fmla="*/ 239185 h 506277"/>
+              <a:gd name="connsiteX9" fmla="*/ 1030951 w 1038036"/>
+              <a:gd name="connsiteY9" fmla="*/ 267797 h 506277"/>
+              <a:gd name="connsiteX10" fmla="*/ 801982 w 1038036"/>
+              <a:gd name="connsiteY10" fmla="*/ 496740 h 506277"/>
+              <a:gd name="connsiteX11" fmla="*/ 797001 w 1038036"/>
+              <a:gd name="connsiteY11" fmla="*/ 501508 h 506277"/>
+              <a:gd name="connsiteX12" fmla="*/ 782744 w 1038036"/>
+              <a:gd name="connsiteY12" fmla="*/ 506277 h 506277"/>
+              <a:gd name="connsiteX13" fmla="*/ 692049 w 1038036"/>
+              <a:gd name="connsiteY13" fmla="*/ 506277 h 506277"/>
+              <a:gd name="connsiteX14" fmla="*/ 291705 w 1038036"/>
+              <a:gd name="connsiteY14" fmla="*/ 505140 h 506277"/>
+              <a:gd name="connsiteX15" fmla="*/ 291705 w 1038036"/>
+              <a:gd name="connsiteY15" fmla="*/ 506277 h 506277"/>
+              <a:gd name="connsiteX16" fmla="*/ 0 w 1038036"/>
+              <a:gd name="connsiteY16" fmla="*/ 506277 h 506277"/>
+            </a:gdLst>
+            <a:ahLst/>
+            <a:cxnLst>
+              <a:cxn ang="0">
+                <a:pos x="connsiteX0" y="connsiteY0"/>
+              </a:cxn>
+              <a:cxn ang="0">
+                <a:pos x="connsiteX1" y="connsiteY1"/>
+              </a:cxn>
+              <a:cxn ang="0">
+                <a:pos x="connsiteX2" y="connsiteY2"/>
+              </a:cxn>
+              <a:cxn ang="0">
+                <a:pos x="connsiteX3" y="connsiteY3"/>
+              </a:cxn>
+              <a:cxn ang="0">
+                <a:pos x="connsiteX4" y="connsiteY4"/>
+              </a:cxn>
+              <a:cxn ang="0">
+                <a:pos x="connsiteX5" y="connsiteY5"/>
+              </a:cxn>
+              <a:cxn ang="0">
+                <a:pos x="connsiteX6" y="connsiteY6"/>
+              </a:cxn>
+              <a:cxn ang="0">
+                <a:pos x="connsiteX7" y="connsiteY7"/>
+              </a:cxn>
+              <a:cxn ang="0">
+                <a:pos x="connsiteX8" y="connsiteY8"/>
+              </a:cxn>
+              <a:cxn ang="0">
+                <a:pos x="connsiteX9" y="connsiteY9"/>
+              </a:cxn>
+              <a:cxn ang="0">
+                <a:pos x="connsiteX10" y="connsiteY10"/>
+              </a:cxn>
+              <a:cxn ang="0">
+                <a:pos x="connsiteX11" y="connsiteY11"/>
+              </a:cxn>
+              <a:cxn ang="0">
+                <a:pos x="connsiteX12" y="connsiteY12"/>
+              </a:cxn>
+              <a:cxn ang="0">
+                <a:pos x="connsiteX13" y="connsiteY13"/>
+              </a:cxn>
+              <a:cxn ang="0">
+                <a:pos x="connsiteX14" y="connsiteY14"/>
+              </a:cxn>
+              <a:cxn ang="0">
+                <a:pos x="connsiteX15" y="connsiteY15"/>
+              </a:cxn>
+              <a:cxn ang="0">
+                <a:pos x="connsiteX16" y="connsiteY16"/>
+              </a:cxn>
+            </a:cxnLst>
+            <a:rect l="l" t="t" r="r" b="b"/>
+            <a:pathLst>
+              <a:path w="1038036" h="506277">
+                <a:moveTo>
+                  <a:pt x="0" y="0"/>
+                </a:moveTo>
+                <a:lnTo>
+                  <a:pt x="182880" y="0"/>
+                </a:lnTo>
+                <a:lnTo>
+                  <a:pt x="291705" y="0"/>
+                </a:lnTo>
+                <a:lnTo>
+                  <a:pt x="291705" y="151"/>
+                </a:lnTo>
+                <a:lnTo>
+                  <a:pt x="692049" y="705"/>
+                </a:lnTo>
+                <a:lnTo>
+                  <a:pt x="782744" y="705"/>
+                </a:lnTo>
+                <a:cubicBezTo>
+                  <a:pt x="787553" y="705"/>
+                  <a:pt x="792363" y="5473"/>
+                  <a:pt x="797001" y="5473"/>
+                </a:cubicBezTo>
+                <a:cubicBezTo>
+                  <a:pt x="797001" y="10242"/>
+                  <a:pt x="801982" y="10242"/>
+                  <a:pt x="801982" y="10242"/>
+                </a:cubicBezTo>
+                <a:lnTo>
+                  <a:pt x="1030951" y="239185"/>
+                </a:lnTo>
+                <a:cubicBezTo>
+                  <a:pt x="1040398" y="248722"/>
+                  <a:pt x="1040398" y="258259"/>
+                  <a:pt x="1030951" y="267797"/>
+                </a:cubicBezTo>
+                <a:lnTo>
+                  <a:pt x="801982" y="496740"/>
+                </a:lnTo>
+                <a:cubicBezTo>
+                  <a:pt x="800436" y="498363"/>
+                  <a:pt x="798547" y="499885"/>
+                  <a:pt x="797001" y="501508"/>
+                </a:cubicBezTo>
+                <a:cubicBezTo>
+                  <a:pt x="792363" y="506277"/>
+                  <a:pt x="787553" y="506277"/>
+                  <a:pt x="782744" y="506277"/>
+                </a:cubicBezTo>
+                <a:lnTo>
+                  <a:pt x="692049" y="506277"/>
+                </a:lnTo>
+                <a:lnTo>
+                  <a:pt x="291705" y="505140"/>
+                </a:lnTo>
+                <a:lnTo>
+                  <a:pt x="291705" y="506277"/>
+                </a:lnTo>
+                <a:lnTo>
+                  <a:pt x="0" y="506277"/>
+                </a:lnTo>
+                <a:close/>
+              </a:path>
+            </a:pathLst>
+          </a:custGeom>
+          <a:ln>
+            <a:noFill/>
+          </a:ln>
+        </p:spPr>
+        <p:style>
+          <a:lnRef idx="2">
+            <a:schemeClr val="accent1">
+              <a:shade val="50000"/>
+            </a:schemeClr>
+          </a:lnRef>
+          <a:fillRef idx="1">
+            <a:schemeClr val="accent1"/>
+          </a:fillRef>
+          <a:effectRef idx="0">
+            <a:schemeClr val="accent1"/>
+          </a:effectRef>
+          <a:fontRef idx="minor">
+            <a:schemeClr val="lt1"/>
+          </a:fontRef>
+        </p:style>
+        <p:txBody>
+          <a:bodyPr rtlCol="0" anchor="ctr"/>
+          <a:lstStyle/>
+          <a:p>
+            <a:pPr algn="ctr"/>
+            <a:endParaRPr lang="en-US"/>
           </a:p>
         </p:txBody>
       </p:sp>
       <p:pic>
         <p:nvPicPr>
-          <p:cNvPr id="5" name="Content Placeholder 4">
+          <p:cNvPr id="8" name="Content Placeholder 4">
             <a:extLst>
               <a:ext uri="{FF2B5EF4-FFF2-40B4-BE49-F238E27FC236}">
                 <a16:creationId xmlns:a16="http://schemas.microsoft.com/office/drawing/2014/main" id="{C774BED1-6BBF-A446-9D19-03C0D6B7CBA8}"/>
@@ -9720,11 +10096,9 @@
             </a:extLst>
           </p:cNvPr>
           <p:cNvPicPr>
-            <a:picLocks noGrp="1" noChangeAspect="1"/>
+            <a:picLocks noChangeAspect="1"/>
           </p:cNvPicPr>
-          <p:nvPr>
-            <p:ph idx="1"/>
-          </p:nvPr>
+          <p:nvPr/>
         </p:nvPicPr>
         <p:blipFill>
           <a:blip r:embed="rId3">
@@ -9736,14 +10110,14 @@
         </p:blipFill>
         <p:spPr>
           <a:xfrm>
-            <a:off x="1200150" y="1295400"/>
-            <a:ext cx="10255976" cy="5209903"/>
+            <a:off x="5529262" y="1282823"/>
+            <a:ext cx="5965921" cy="4610030"/>
           </a:xfrm>
+          <a:prstGeom prst="rect">
+            <a:avLst/>
+          </a:prstGeom>
           <a:gradFill>
             <a:gsLst>
-              <a:gs pos="90000">
-                <a:srgbClr val="476A5B"/>
-              </a:gs>
               <a:gs pos="0">
                 <a:schemeClr val="bg2">
                   <a:tint val="90000"/>
@@ -9763,6 +10137,213 @@
           </a:gradFill>
         </p:spPr>
       </p:pic>
+      <p:sp>
+        <p:nvSpPr>
+          <p:cNvPr id="2" name="Title 1">
+            <a:extLst>
+              <a:ext uri="{FF2B5EF4-FFF2-40B4-BE49-F238E27FC236}">
+                <a16:creationId xmlns:a16="http://schemas.microsoft.com/office/drawing/2014/main" id="{E4098E42-CF5F-484E-A94E-871A828C153B}"/>
+              </a:ext>
+            </a:extLst>
+          </p:cNvPr>
+          <p:cNvSpPr>
+            <a:spLocks noGrp="1"/>
+          </p:cNvSpPr>
+          <p:nvPr>
+            <p:ph type="title"/>
+          </p:nvPr>
+        </p:nvSpPr>
+        <p:spPr>
+          <a:xfrm>
+            <a:off x="649224" y="645106"/>
+            <a:ext cx="4880038" cy="750320"/>
+          </a:xfrm>
+        </p:spPr>
+        <p:txBody>
+          <a:bodyPr>
+            <a:normAutofit/>
+          </a:bodyPr>
+          <a:lstStyle/>
+          <a:p>
+            <a:r>
+              <a:rPr lang="en-US" dirty="0"/>
+              <a:t>REQUIREMENT VIEW</a:t>
+            </a:r>
+          </a:p>
+        </p:txBody>
+      </p:sp>
+      <p:sp>
+        <p:nvSpPr>
+          <p:cNvPr id="10" name="Content Placeholder 9">
+            <a:extLst>
+              <a:ext uri="{FF2B5EF4-FFF2-40B4-BE49-F238E27FC236}">
+                <a16:creationId xmlns:a16="http://schemas.microsoft.com/office/drawing/2014/main" id="{F6D6A1B8-851C-4FFB-897F-3D0E6534D062}"/>
+              </a:ext>
+            </a:extLst>
+          </p:cNvPr>
+          <p:cNvSpPr>
+            <a:spLocks noGrp="1"/>
+          </p:cNvSpPr>
+          <p:nvPr>
+            <p:ph idx="1"/>
+          </p:nvPr>
+        </p:nvSpPr>
+        <p:spPr>
+          <a:xfrm>
+            <a:off x="649224" y="1685926"/>
+            <a:ext cx="4680013" cy="4206928"/>
+          </a:xfrm>
+        </p:spPr>
+        <p:txBody>
+          <a:bodyPr>
+            <a:normAutofit fontScale="32500" lnSpcReduction="20000"/>
+          </a:bodyPr>
+          <a:lstStyle/>
+          <a:p>
+            <a:pPr marL="0" indent="0">
+              <a:buNone/>
+            </a:pPr>
+            <a:r>
+              <a:rPr lang="en-US" b="1" dirty="0"/>
+              <a:t>READERS:</a:t>
+            </a:r>
+            <a:endParaRPr lang="en-US" dirty="0"/>
+          </a:p>
+          <a:p>
+            <a:r>
+              <a:rPr lang="en-US" dirty="0"/>
+              <a:t>Readers shall be able to view players statistic data.</a:t>
+            </a:r>
+          </a:p>
+          <a:p>
+            <a:r>
+              <a:rPr lang="en-US" dirty="0"/>
+              <a:t>Readers shall be able to view current games and upcoming games.</a:t>
+            </a:r>
+          </a:p>
+          <a:p>
+            <a:r>
+              <a:rPr lang="en-US" dirty="0"/>
+              <a:t>Readers shall be able to view each team and their statistics (games won, loss, and played).</a:t>
+            </a:r>
+          </a:p>
+          <a:p>
+            <a:r>
+              <a:rPr lang="en-US" dirty="0"/>
+              <a:t>Readers shall be able to view if players are active or inactive on certain games.</a:t>
+            </a:r>
+          </a:p>
+          <a:p>
+            <a:r>
+              <a:rPr lang="en-US" dirty="0"/>
+              <a:t>Readers shall not change any stats or crucial data for any player or game.</a:t>
+            </a:r>
+          </a:p>
+          <a:p>
+            <a:r>
+              <a:rPr lang="en-US" dirty="0"/>
+              <a:t>Readers shall not access any database or have control of any information.</a:t>
+            </a:r>
+          </a:p>
+          <a:p>
+            <a:pPr marL="0" indent="0">
+              <a:buNone/>
+            </a:pPr>
+            <a:r>
+              <a:rPr lang="en-US" b="1" dirty="0"/>
+              <a:t> </a:t>
+            </a:r>
+            <a:endParaRPr lang="en-US" dirty="0"/>
+          </a:p>
+          <a:p>
+            <a:pPr marL="0" indent="0">
+              <a:buNone/>
+            </a:pPr>
+            <a:r>
+              <a:rPr lang="en-US" b="1" dirty="0"/>
+              <a:t>ADMIN:</a:t>
+            </a:r>
+            <a:endParaRPr lang="en-US" dirty="0"/>
+          </a:p>
+          <a:p>
+            <a:r>
+              <a:rPr lang="en-US" dirty="0"/>
+              <a:t>Admin shall be able to view players statistic data.</a:t>
+            </a:r>
+          </a:p>
+          <a:p>
+            <a:r>
+              <a:rPr lang="en-US" dirty="0"/>
+              <a:t>Admin shall be able to view current games and upcoming games.</a:t>
+            </a:r>
+          </a:p>
+          <a:p>
+            <a:r>
+              <a:rPr lang="en-US" dirty="0"/>
+              <a:t>Admin shall be able to view each team and their statistics.</a:t>
+            </a:r>
+          </a:p>
+          <a:p>
+            <a:r>
+              <a:rPr lang="en-US" dirty="0"/>
+              <a:t>Admin shall be able to view if players are active or inactive.</a:t>
+            </a:r>
+          </a:p>
+          <a:p>
+            <a:r>
+              <a:rPr lang="en-US" dirty="0"/>
+              <a:t>Admin shall be able to modify any data on the database.</a:t>
+            </a:r>
+          </a:p>
+          <a:p>
+            <a:r>
+              <a:rPr lang="en-US" dirty="0"/>
+              <a:t>Admin shall be able to remove any user off the database.</a:t>
+            </a:r>
+          </a:p>
+          <a:p>
+            <a:r>
+              <a:rPr lang="en-US" dirty="0"/>
+              <a:t>Admin shall be able to modify any tables in the database.</a:t>
+            </a:r>
+          </a:p>
+          <a:p>
+            <a:pPr marL="0" indent="0">
+              <a:buNone/>
+            </a:pPr>
+            <a:r>
+              <a:rPr lang="en-US" b="1" dirty="0"/>
+              <a:t> </a:t>
+            </a:r>
+            <a:endParaRPr lang="en-US" dirty="0"/>
+          </a:p>
+          <a:p>
+            <a:pPr marL="0" indent="0">
+              <a:buNone/>
+            </a:pPr>
+            <a:r>
+              <a:rPr lang="en-US" b="1" dirty="0"/>
+              <a:t>DATA:</a:t>
+            </a:r>
+            <a:endParaRPr lang="en-US" dirty="0"/>
+          </a:p>
+          <a:p>
+            <a:r>
+              <a:rPr lang="en-US" dirty="0"/>
+              <a:t>Data shall be able to change as the users update the players.</a:t>
+            </a:r>
+          </a:p>
+          <a:p>
+            <a:r>
+              <a:rPr lang="en-US" dirty="0"/>
+              <a:t>Data shall be able to change as the admin changes the database.</a:t>
+            </a:r>
+          </a:p>
+          <a:p>
+            <a:endParaRPr lang="en-US" dirty="0"/>
+          </a:p>
+        </p:txBody>
+      </p:sp>
     </p:spTree>
     <p:extLst>
       <p:ext uri="{BB962C8B-B14F-4D97-AF65-F5344CB8AC3E}">

--- a/documentation/431 Final Project.pptx
+++ b/documentation/431 Final Project.pptx
@@ -207,7 +207,7 @@
           <a:p>
             <a:fld id="{33F05A21-E01A-0B4F-8254-618F5BAC1FE6}" type="datetimeFigureOut">
               <a:rPr lang="en-US" smtClean="0"/>
-              <a:t>5/1/18</a:t>
+              <a:t>5/2/18</a:t>
             </a:fld>
             <a:endParaRPr lang="en-US"/>
           </a:p>
@@ -746,7 +746,7 @@
           <a:p>
             <a:fld id="{4F1905EF-67FE-A945-A76E-2D879EA58098}" type="datetimeFigureOut">
               <a:rPr lang="en-US" smtClean="0"/>
-              <a:t>5/1/18</a:t>
+              <a:t>5/2/18</a:t>
             </a:fld>
             <a:endParaRPr lang="en-US"/>
           </a:p>
@@ -1084,7 +1084,7 @@
           <a:p>
             <a:fld id="{4F1905EF-67FE-A945-A76E-2D879EA58098}" type="datetimeFigureOut">
               <a:rPr lang="en-US" smtClean="0"/>
-              <a:t>5/1/18</a:t>
+              <a:t>5/2/18</a:t>
             </a:fld>
             <a:endParaRPr lang="en-US"/>
           </a:p>
@@ -1485,7 +1485,7 @@
           <a:p>
             <a:fld id="{4F1905EF-67FE-A945-A76E-2D879EA58098}" type="datetimeFigureOut">
               <a:rPr lang="en-US" smtClean="0"/>
-              <a:t>5/1/18</a:t>
+              <a:t>5/2/18</a:t>
             </a:fld>
             <a:endParaRPr lang="en-US"/>
           </a:p>
@@ -1821,7 +1821,7 @@
           <a:p>
             <a:fld id="{4F1905EF-67FE-A945-A76E-2D879EA58098}" type="datetimeFigureOut">
               <a:rPr lang="en-US" smtClean="0"/>
-              <a:t>5/1/18</a:t>
+              <a:t>5/2/18</a:t>
             </a:fld>
             <a:endParaRPr lang="en-US"/>
           </a:p>
@@ -2141,7 +2141,7 @@
           <a:p>
             <a:fld id="{4F1905EF-67FE-A945-A76E-2D879EA58098}" type="datetimeFigureOut">
               <a:rPr lang="en-US" smtClean="0"/>
-              <a:t>5/1/18</a:t>
+              <a:t>5/2/18</a:t>
             </a:fld>
             <a:endParaRPr lang="en-US"/>
           </a:p>
@@ -2537,7 +2537,7 @@
           <a:p>
             <a:fld id="{4F1905EF-67FE-A945-A76E-2D879EA58098}" type="datetimeFigureOut">
               <a:rPr lang="en-US" smtClean="0"/>
-              <a:t>5/1/18</a:t>
+              <a:t>5/2/18</a:t>
             </a:fld>
             <a:endParaRPr lang="en-US"/>
           </a:p>
@@ -2794,7 +2794,7 @@
           <a:p>
             <a:fld id="{4F1905EF-67FE-A945-A76E-2D879EA58098}" type="datetimeFigureOut">
               <a:rPr lang="en-US" smtClean="0"/>
-              <a:t>5/1/18</a:t>
+              <a:t>5/2/18</a:t>
             </a:fld>
             <a:endParaRPr lang="en-US"/>
           </a:p>
@@ -3056,7 +3056,7 @@
           <a:p>
             <a:fld id="{4F1905EF-67FE-A945-A76E-2D879EA58098}" type="datetimeFigureOut">
               <a:rPr lang="en-US" smtClean="0"/>
-              <a:t>5/1/18</a:t>
+              <a:t>5/2/18</a:t>
             </a:fld>
             <a:endParaRPr lang="en-US"/>
           </a:p>
@@ -3318,7 +3318,7 @@
           <a:p>
             <a:fld id="{4F1905EF-67FE-A945-A76E-2D879EA58098}" type="datetimeFigureOut">
               <a:rPr lang="en-US" smtClean="0"/>
-              <a:t>5/1/18</a:t>
+              <a:t>5/2/18</a:t>
             </a:fld>
             <a:endParaRPr lang="en-US"/>
           </a:p>
@@ -3647,7 +3647,7 @@
           <a:p>
             <a:fld id="{4F1905EF-67FE-A945-A76E-2D879EA58098}" type="datetimeFigureOut">
               <a:rPr lang="en-US" smtClean="0"/>
-              <a:t>5/1/18</a:t>
+              <a:t>5/2/18</a:t>
             </a:fld>
             <a:endParaRPr lang="en-US"/>
           </a:p>
@@ -3970,7 +3970,7 @@
           <a:p>
             <a:fld id="{4F1905EF-67FE-A945-A76E-2D879EA58098}" type="datetimeFigureOut">
               <a:rPr lang="en-US" smtClean="0"/>
-              <a:t>5/1/18</a:t>
+              <a:t>5/2/18</a:t>
             </a:fld>
             <a:endParaRPr lang="en-US"/>
           </a:p>
@@ -4427,7 +4427,7 @@
           <a:p>
             <a:fld id="{4F1905EF-67FE-A945-A76E-2D879EA58098}" type="datetimeFigureOut">
               <a:rPr lang="en-US" smtClean="0"/>
-              <a:t>5/1/18</a:t>
+              <a:t>5/2/18</a:t>
             </a:fld>
             <a:endParaRPr lang="en-US"/>
           </a:p>
@@ -4632,7 +4632,7 @@
           <a:p>
             <a:fld id="{4F1905EF-67FE-A945-A76E-2D879EA58098}" type="datetimeFigureOut">
               <a:rPr lang="en-US" smtClean="0"/>
-              <a:t>5/1/18</a:t>
+              <a:t>5/2/18</a:t>
             </a:fld>
             <a:endParaRPr lang="en-US"/>
           </a:p>
@@ -4809,7 +4809,7 @@
           <a:p>
             <a:fld id="{4F1905EF-67FE-A945-A76E-2D879EA58098}" type="datetimeFigureOut">
               <a:rPr lang="en-US" smtClean="0"/>
-              <a:t>5/1/18</a:t>
+              <a:t>5/2/18</a:t>
             </a:fld>
             <a:endParaRPr lang="en-US"/>
           </a:p>
@@ -5142,7 +5142,7 @@
           <a:p>
             <a:fld id="{4F1905EF-67FE-A945-A76E-2D879EA58098}" type="datetimeFigureOut">
               <a:rPr lang="en-US" smtClean="0"/>
-              <a:t>5/1/18</a:t>
+              <a:t>5/2/18</a:t>
             </a:fld>
             <a:endParaRPr lang="en-US"/>
           </a:p>
@@ -5487,7 +5487,7 @@
           <a:p>
             <a:fld id="{4F1905EF-67FE-A945-A76E-2D879EA58098}" type="datetimeFigureOut">
               <a:rPr lang="en-US" smtClean="0"/>
-              <a:t>5/1/18</a:t>
+              <a:t>5/2/18</a:t>
             </a:fld>
             <a:endParaRPr lang="en-US"/>
           </a:p>
@@ -7624,7 +7624,7 @@
           <a:p>
             <a:fld id="{4F1905EF-67FE-A945-A76E-2D879EA58098}" type="datetimeFigureOut">
               <a:rPr lang="en-US" smtClean="0"/>
-              <a:t>5/1/18</a:t>
+              <a:t>5/2/18</a:t>
             </a:fld>
             <a:endParaRPr lang="en-US"/>
           </a:p>
@@ -8297,6 +8297,9 @@
           </a:bodyPr>
           <a:lstStyle/>
           <a:p>
+            <a:pPr marL="0" indent="0">
+              <a:buNone/>
+            </a:pPr>
             <a:r>
               <a:rPr lang="en-US" sz="2000" b="1" dirty="0"/>
               <a:t>Configuration Management</a:t>

--- a/documentation/431 Final Project.pptx
+++ b/documentation/431 Final Project.pptx
@@ -5,20 +5,23 @@
     <p:sldMasterId id="2147483696" r:id="rId1"/>
   </p:sldMasterIdLst>
   <p:notesMasterIdLst>
-    <p:notesMasterId r:id="rId13"/>
+    <p:notesMasterId r:id="rId16"/>
   </p:notesMasterIdLst>
   <p:sldIdLst>
     <p:sldId id="256" r:id="rId2"/>
     <p:sldId id="265" r:id="rId3"/>
-    <p:sldId id="266" r:id="rId4"/>
-    <p:sldId id="267" r:id="rId5"/>
-    <p:sldId id="257" r:id="rId6"/>
-    <p:sldId id="258" r:id="rId7"/>
-    <p:sldId id="264" r:id="rId8"/>
-    <p:sldId id="260" r:id="rId9"/>
-    <p:sldId id="261" r:id="rId10"/>
+    <p:sldId id="267" r:id="rId4"/>
+    <p:sldId id="257" r:id="rId5"/>
+    <p:sldId id="258" r:id="rId6"/>
+    <p:sldId id="264" r:id="rId7"/>
+    <p:sldId id="260" r:id="rId8"/>
+    <p:sldId id="261" r:id="rId9"/>
+    <p:sldId id="269" r:id="rId10"/>
     <p:sldId id="262" r:id="rId11"/>
-    <p:sldId id="263" r:id="rId12"/>
+    <p:sldId id="268" r:id="rId12"/>
+    <p:sldId id="271" r:id="rId13"/>
+    <p:sldId id="270" r:id="rId14"/>
+    <p:sldId id="263" r:id="rId15"/>
   </p:sldIdLst>
   <p:sldSz cx="12192000" cy="6858000"/>
   <p:notesSz cx="6858000" cy="9144000"/>
@@ -539,7 +542,7 @@
           <a:p>
             <a:fld id="{DAA555CB-9604-E245-8B97-DE63E1B97BDF}" type="slidenum">
               <a:rPr lang="en-US" smtClean="0"/>
-              <a:t>9</a:t>
+              <a:t>8</a:t>
             </a:fld>
             <a:endParaRPr lang="en-US"/>
           </a:p>
@@ -8317,15 +8320,7 @@
             <a:pPr lvl="0"/>
             <a:r>
               <a:rPr lang="en-US" sz="2000" dirty="0"/>
-              <a:t>Git &amp; </a:t>
-            </a:r>
-            <a:r>
-              <a:rPr lang="en-US" sz="2000" dirty="0" err="1"/>
-              <a:t>Github</a:t>
-            </a:r>
-            <a:r>
-              <a:rPr lang="en-US" sz="2000" dirty="0"/>
-              <a:t> – Used to control documentation source and source code</a:t>
+              <a:t>Git &amp; GitHub – Used to control documentation source and source code</a:t>
             </a:r>
           </a:p>
           <a:p>
@@ -8393,6 +8388,429 @@
 </file>
 
 <file path=ppt/slides/slide11.xml><?xml version="1.0" encoding="utf-8"?>
+<p:sld xmlns:a="http://schemas.openxmlformats.org/drawingml/2006/main" xmlns:r="http://schemas.openxmlformats.org/officeDocument/2006/relationships" xmlns:p="http://schemas.openxmlformats.org/presentationml/2006/main">
+  <p:cSld>
+    <p:spTree>
+      <p:nvGrpSpPr>
+        <p:cNvPr id="1" name=""/>
+        <p:cNvGrpSpPr/>
+        <p:nvPr/>
+      </p:nvGrpSpPr>
+      <p:grpSpPr>
+        <a:xfrm>
+          <a:off x="0" y="0"/>
+          <a:ext cx="0" cy="0"/>
+          <a:chOff x="0" y="0"/>
+          <a:chExt cx="0" cy="0"/>
+        </a:xfrm>
+      </p:grpSpPr>
+      <p:sp>
+        <p:nvSpPr>
+          <p:cNvPr id="2" name="Title 1"/>
+          <p:cNvSpPr>
+            <a:spLocks noGrp="1"/>
+          </p:cNvSpPr>
+          <p:nvPr>
+            <p:ph type="title"/>
+          </p:nvPr>
+        </p:nvSpPr>
+        <p:spPr>
+          <a:xfrm>
+            <a:off x="1480405" y="831636"/>
+            <a:ext cx="8911687" cy="1280890"/>
+          </a:xfrm>
+        </p:spPr>
+        <p:txBody>
+          <a:bodyPr/>
+          <a:lstStyle/>
+          <a:p>
+            <a:pPr algn="ctr"/>
+            <a:r>
+              <a:rPr lang="en-US" dirty="0"/>
+              <a:t>C.I.A. </a:t>
+            </a:r>
+            <a:br>
+              <a:rPr lang="en-US" dirty="0"/>
+            </a:br>
+            <a:r>
+              <a:rPr lang="en-US" sz="2800" dirty="0"/>
+              <a:t>Confidentiality Integrity Availability</a:t>
+            </a:r>
+            <a:r>
+              <a:rPr lang="en-US" b="1" dirty="0"/>
+              <a:t> </a:t>
+            </a:r>
+            <a:endParaRPr lang="en-US" dirty="0"/>
+          </a:p>
+        </p:txBody>
+      </p:sp>
+      <p:sp>
+        <p:nvSpPr>
+          <p:cNvPr id="3" name="Content Placeholder 2"/>
+          <p:cNvSpPr>
+            <a:spLocks noGrp="1"/>
+          </p:cNvSpPr>
+          <p:nvPr>
+            <p:ph idx="1"/>
+          </p:nvPr>
+        </p:nvSpPr>
+        <p:spPr>
+          <a:xfrm>
+            <a:off x="1476692" y="2270760"/>
+            <a:ext cx="8915400" cy="3777622"/>
+          </a:xfrm>
+        </p:spPr>
+        <p:txBody>
+          <a:bodyPr>
+            <a:normAutofit fontScale="77500" lnSpcReduction="20000"/>
+          </a:bodyPr>
+          <a:lstStyle/>
+          <a:p>
+            <a:r>
+              <a:rPr lang="en-US" sz="2800" b="1" dirty="0"/>
+              <a:t>Confidentiality </a:t>
+            </a:r>
+            <a:r>
+              <a:rPr lang="en-US" sz="2800" dirty="0"/>
+              <a:t>is the avoidance of the unauthorized disclosure of information. </a:t>
+            </a:r>
+          </a:p>
+          <a:p>
+            <a:pPr lvl="1"/>
+            <a:r>
+              <a:rPr lang="en-US" sz="2400" b="1" dirty="0"/>
+              <a:t>Access control</a:t>
+            </a:r>
+          </a:p>
+          <a:p>
+            <a:pPr lvl="1"/>
+            <a:r>
+              <a:rPr lang="en-US" sz="2400" b="1" dirty="0"/>
+              <a:t>Authentication</a:t>
+            </a:r>
+          </a:p>
+          <a:p>
+            <a:r>
+              <a:rPr lang="en-US" sz="2800" b="1" dirty="0"/>
+              <a:t>Integrity: </a:t>
+            </a:r>
+            <a:r>
+              <a:rPr lang="en-US" sz="2800" dirty="0"/>
+              <a:t>the property that information has not be altered in an unauthorized way.</a:t>
+            </a:r>
+          </a:p>
+          <a:p>
+            <a:pPr lvl="1"/>
+            <a:r>
+              <a:rPr lang="en-US" sz="2400" b="1" dirty="0"/>
+              <a:t>Backups:</a:t>
+            </a:r>
+          </a:p>
+          <a:p>
+            <a:pPr lvl="1"/>
+            <a:r>
+              <a:rPr lang="en-US" sz="2400" b="1" dirty="0"/>
+              <a:t>Data correcting codes</a:t>
+            </a:r>
+            <a:endParaRPr lang="en-US" sz="2400" dirty="0"/>
+          </a:p>
+          <a:p>
+            <a:r>
+              <a:rPr lang="en-US" sz="2800" b="1" dirty="0"/>
+              <a:t>Availability: </a:t>
+            </a:r>
+            <a:r>
+              <a:rPr lang="en-US" sz="2800" dirty="0"/>
+              <a:t>the property that information is accessible and modifiable in a timely fashion by those authorized to do so.</a:t>
+            </a:r>
+          </a:p>
+          <a:p>
+            <a:endParaRPr lang="en-US" dirty="0"/>
+          </a:p>
+          <a:p>
+            <a:pPr lvl="1">
+              <a:buNone/>
+            </a:pPr>
+            <a:endParaRPr lang="en-US" b="1" dirty="0"/>
+          </a:p>
+        </p:txBody>
+      </p:sp>
+    </p:spTree>
+    <p:extLst>
+      <p:ext uri="{BB962C8B-B14F-4D97-AF65-F5344CB8AC3E}">
+        <p14:creationId xmlns:p14="http://schemas.microsoft.com/office/powerpoint/2010/main" val="3483217731"/>
+      </p:ext>
+    </p:extLst>
+  </p:cSld>
+  <p:clrMapOvr>
+    <a:masterClrMapping/>
+  </p:clrMapOvr>
+</p:sld>
+</file>
+
+<file path=ppt/slides/slide12.xml><?xml version="1.0" encoding="utf-8"?>
+<p:sld xmlns:a="http://schemas.openxmlformats.org/drawingml/2006/main" xmlns:r="http://schemas.openxmlformats.org/officeDocument/2006/relationships" xmlns:p="http://schemas.openxmlformats.org/presentationml/2006/main">
+  <p:cSld>
+    <p:spTree>
+      <p:nvGrpSpPr>
+        <p:cNvPr id="1" name=""/>
+        <p:cNvGrpSpPr/>
+        <p:nvPr/>
+      </p:nvGrpSpPr>
+      <p:grpSpPr>
+        <a:xfrm>
+          <a:off x="0" y="0"/>
+          <a:ext cx="0" cy="0"/>
+          <a:chOff x="0" y="0"/>
+          <a:chExt cx="0" cy="0"/>
+        </a:xfrm>
+      </p:grpSpPr>
+      <p:sp>
+        <p:nvSpPr>
+          <p:cNvPr id="2" name="Title 1"/>
+          <p:cNvSpPr>
+            <a:spLocks noGrp="1"/>
+          </p:cNvSpPr>
+          <p:nvPr>
+            <p:ph type="title"/>
+          </p:nvPr>
+        </p:nvSpPr>
+        <p:spPr>
+          <a:xfrm>
+            <a:off x="1883996" y="852710"/>
+            <a:ext cx="8911687" cy="1280890"/>
+          </a:xfrm>
+        </p:spPr>
+        <p:txBody>
+          <a:bodyPr/>
+          <a:lstStyle/>
+          <a:p>
+            <a:r>
+              <a:rPr lang="en-US" dirty="0">
+                <a:latin typeface="Algerian" pitchFamily="82" charset="0"/>
+              </a:rPr>
+              <a:t>SECURITY DIAGRAM</a:t>
+            </a:r>
+            <a:endParaRPr lang="en-US" dirty="0"/>
+          </a:p>
+        </p:txBody>
+      </p:sp>
+      <p:sp>
+        <p:nvSpPr>
+          <p:cNvPr id="5" name="Content Placeholder 4"/>
+          <p:cNvSpPr>
+            <a:spLocks noGrp="1"/>
+          </p:cNvSpPr>
+          <p:nvPr>
+            <p:ph idx="1"/>
+          </p:nvPr>
+        </p:nvSpPr>
+        <p:spPr/>
+        <p:txBody>
+          <a:bodyPr/>
+          <a:lstStyle/>
+          <a:p>
+            <a:endParaRPr lang="en-US"/>
+          </a:p>
+        </p:txBody>
+      </p:sp>
+      <p:pic>
+        <p:nvPicPr>
+          <p:cNvPr id="1028" name="Picture 4"/>
+          <p:cNvPicPr>
+            <a:picLocks noChangeAspect="1" noChangeArrowheads="1"/>
+          </p:cNvPicPr>
+          <p:nvPr/>
+        </p:nvPicPr>
+        <p:blipFill>
+          <a:blip r:embed="rId2">
+            <a:alphaModFix amt="80000"/>
+          </a:blip>
+          <a:srcRect/>
+          <a:stretch>
+            <a:fillRect/>
+          </a:stretch>
+        </p:blipFill>
+        <p:spPr bwMode="auto">
+          <a:xfrm>
+            <a:off x="1883995" y="1518284"/>
+            <a:ext cx="9620617" cy="4912995"/>
+          </a:xfrm>
+          <a:prstGeom prst="rect">
+            <a:avLst/>
+          </a:prstGeom>
+          <a:gradFill>
+            <a:gsLst>
+              <a:gs pos="0">
+                <a:schemeClr val="bg2">
+                  <a:tint val="90000"/>
+                  <a:satMod val="92000"/>
+                  <a:lumMod val="120000"/>
+                </a:schemeClr>
+              </a:gs>
+              <a:gs pos="100000">
+                <a:schemeClr val="accent6">
+                  <a:lumMod val="50000"/>
+                </a:schemeClr>
+              </a:gs>
+            </a:gsLst>
+            <a:path path="circle">
+              <a:fillToRect l="50000" t="50000" r="100000" b="100000"/>
+            </a:path>
+          </a:gradFill>
+          <a:ln w="9525">
+            <a:noFill/>
+            <a:miter lim="800000"/>
+            <a:headEnd/>
+            <a:tailEnd/>
+          </a:ln>
+          <a:effectLst/>
+        </p:spPr>
+      </p:pic>
+    </p:spTree>
+    <p:extLst>
+      <p:ext uri="{BB962C8B-B14F-4D97-AF65-F5344CB8AC3E}">
+        <p14:creationId xmlns:p14="http://schemas.microsoft.com/office/powerpoint/2010/main" val="3653394281"/>
+      </p:ext>
+    </p:extLst>
+  </p:cSld>
+  <p:clrMapOvr>
+    <a:masterClrMapping/>
+  </p:clrMapOvr>
+</p:sld>
+</file>
+
+<file path=ppt/slides/slide13.xml><?xml version="1.0" encoding="utf-8"?>
+<p:sld xmlns:a="http://schemas.openxmlformats.org/drawingml/2006/main" xmlns:r="http://schemas.openxmlformats.org/officeDocument/2006/relationships" xmlns:p="http://schemas.openxmlformats.org/presentationml/2006/main">
+  <p:cSld>
+    <p:spTree>
+      <p:nvGrpSpPr>
+        <p:cNvPr id="1" name=""/>
+        <p:cNvGrpSpPr/>
+        <p:nvPr/>
+      </p:nvGrpSpPr>
+      <p:grpSpPr>
+        <a:xfrm>
+          <a:off x="0" y="0"/>
+          <a:ext cx="0" cy="0"/>
+          <a:chOff x="0" y="0"/>
+          <a:chExt cx="0" cy="0"/>
+        </a:xfrm>
+      </p:grpSpPr>
+      <p:sp>
+        <p:nvSpPr>
+          <p:cNvPr id="2" name="Title 1"/>
+          <p:cNvSpPr>
+            <a:spLocks noGrp="1"/>
+          </p:cNvSpPr>
+          <p:nvPr>
+            <p:ph type="title"/>
+          </p:nvPr>
+        </p:nvSpPr>
+        <p:spPr>
+          <a:xfrm>
+            <a:off x="1891885" y="883190"/>
+            <a:ext cx="8911687" cy="1280890"/>
+          </a:xfrm>
+        </p:spPr>
+        <p:txBody>
+          <a:bodyPr/>
+          <a:lstStyle/>
+          <a:p>
+            <a:r>
+              <a:rPr lang="en-US" dirty="0">
+                <a:latin typeface="Algerian" pitchFamily="82" charset="0"/>
+              </a:rPr>
+              <a:t>SECURITY FEATURES</a:t>
+            </a:r>
+          </a:p>
+        </p:txBody>
+      </p:sp>
+      <p:sp>
+        <p:nvSpPr>
+          <p:cNvPr id="3" name="Content Placeholder 2"/>
+          <p:cNvSpPr>
+            <a:spLocks noGrp="1"/>
+          </p:cNvSpPr>
+          <p:nvPr>
+            <p:ph idx="1"/>
+          </p:nvPr>
+        </p:nvSpPr>
+        <p:spPr>
+          <a:xfrm>
+            <a:off x="1728152" y="2164080"/>
+            <a:ext cx="8915400" cy="3777622"/>
+          </a:xfrm>
+        </p:spPr>
+        <p:txBody>
+          <a:bodyPr>
+            <a:normAutofit fontScale="92500" lnSpcReduction="10000"/>
+          </a:bodyPr>
+          <a:lstStyle/>
+          <a:p>
+            <a:r>
+              <a:rPr lang="en-US" sz="2800" dirty="0"/>
+              <a:t>Our system will have the following security features:</a:t>
+            </a:r>
+            <a:br>
+              <a:rPr lang="en-US" sz="2800" dirty="0"/>
+            </a:br>
+            <a:endParaRPr lang="en-US" sz="2800" dirty="0"/>
+          </a:p>
+          <a:p>
+            <a:pPr lvl="1"/>
+            <a:r>
+              <a:rPr lang="en-US" sz="2400" dirty="0"/>
+              <a:t>Multi factor authentication only applies to forgotten credentials</a:t>
+            </a:r>
+          </a:p>
+          <a:p>
+            <a:pPr lvl="1"/>
+            <a:r>
+              <a:rPr lang="en-US" sz="2400" dirty="0"/>
+              <a:t>Database encryption</a:t>
+            </a:r>
+          </a:p>
+          <a:p>
+            <a:pPr lvl="1"/>
+            <a:r>
+              <a:rPr lang="en-US" sz="2400" dirty="0"/>
+              <a:t>Validation checks</a:t>
+            </a:r>
+          </a:p>
+          <a:p>
+            <a:pPr lvl="1"/>
+            <a:r>
+              <a:rPr lang="en-US" sz="2400" dirty="0"/>
+              <a:t>Integrity checks</a:t>
+            </a:r>
+          </a:p>
+          <a:p>
+            <a:pPr lvl="1"/>
+            <a:r>
+              <a:rPr lang="en-US" sz="2400" dirty="0"/>
+              <a:t>User privilege and access control ensuring availability and integrity and producing confidentiality</a:t>
+            </a:r>
+          </a:p>
+          <a:p>
+            <a:endParaRPr lang="en-US" dirty="0"/>
+          </a:p>
+        </p:txBody>
+      </p:sp>
+    </p:spTree>
+    <p:extLst>
+      <p:ext uri="{BB962C8B-B14F-4D97-AF65-F5344CB8AC3E}">
+        <p14:creationId xmlns:p14="http://schemas.microsoft.com/office/powerpoint/2010/main" val="2457858421"/>
+      </p:ext>
+    </p:extLst>
+  </p:cSld>
+  <p:clrMapOvr>
+    <a:masterClrMapping/>
+  </p:clrMapOvr>
+</p:sld>
+</file>
+
+<file path=ppt/slides/slide14.xml><?xml version="1.0" encoding="utf-8"?>
 <p:sld xmlns:a="http://schemas.openxmlformats.org/drawingml/2006/main" xmlns:r="http://schemas.openxmlformats.org/officeDocument/2006/relationships" xmlns:p="http://schemas.openxmlformats.org/presentationml/2006/main" showMasterSp="0">
   <p:cSld>
     <p:spTree>
@@ -8542,7 +8960,12 @@
             <p:ph type="title"/>
           </p:nvPr>
         </p:nvSpPr>
-        <p:spPr/>
+        <p:spPr>
+          <a:xfrm>
+            <a:off x="1900237" y="837470"/>
+            <a:ext cx="8911687" cy="1280890"/>
+          </a:xfrm>
+        </p:spPr>
         <p:txBody>
           <a:bodyPr/>
           <a:lstStyle/>
@@ -8578,55 +9001,62 @@
         </p:spPr>
         <p:txBody>
           <a:bodyPr>
-            <a:normAutofit lnSpcReduction="10000"/>
+            <a:normAutofit fontScale="40000" lnSpcReduction="20000"/>
           </a:bodyPr>
           <a:lstStyle/>
           <a:p>
             <a:r>
-              <a:rPr lang="en-US" dirty="0"/>
+              <a:rPr lang="en-US" sz="4200" dirty="0"/>
               <a:t>Cal State University Basketball Statistic Web Application that contains data about each player, team and game.</a:t>
             </a:r>
           </a:p>
           <a:p>
-            <a:endParaRPr lang="en-US" dirty="0"/>
-          </a:p>
-          <a:p>
-            <a:r>
-              <a:rPr lang="en-US" dirty="0"/>
-              <a:t>Gives general viewers access to view the data only. To change any information on the website, users must log in.</a:t>
+            <a:endParaRPr lang="en-US" sz="4200" dirty="0"/>
+          </a:p>
+          <a:p>
+            <a:r>
+              <a:rPr lang="en-US" sz="4200" dirty="0"/>
+              <a:t>Gives general viewers access to view the data only. </a:t>
             </a:r>
           </a:p>
           <a:p>
             <a:pPr marL="0" indent="0">
               <a:buNone/>
             </a:pPr>
-            <a:endParaRPr lang="en-US" dirty="0"/>
-          </a:p>
-          <a:p>
-            <a:r>
-              <a:rPr lang="en-US" dirty="0"/>
-              <a:t>Staff logged in – have access to view the data and make any changes; </a:t>
+            <a:endParaRPr lang="en-US" sz="4200" dirty="0"/>
+          </a:p>
+          <a:p>
+            <a:r>
+              <a:rPr lang="en-US" sz="4200" dirty="0"/>
+              <a:t>Staff logged in – have access to view the data and make any changes:</a:t>
             </a:r>
           </a:p>
           <a:p>
             <a:pPr lvl="1"/>
             <a:r>
-              <a:rPr lang="en-US" dirty="0"/>
+              <a:rPr lang="en-US" sz="4200" dirty="0"/>
               <a:t>Add</a:t>
             </a:r>
           </a:p>
           <a:p>
             <a:pPr lvl="1"/>
             <a:r>
-              <a:rPr lang="en-US" dirty="0"/>
+              <a:rPr lang="en-US" sz="4200" dirty="0"/>
               <a:t>Edit</a:t>
             </a:r>
           </a:p>
           <a:p>
             <a:pPr lvl="1"/>
             <a:r>
-              <a:rPr lang="en-US" dirty="0"/>
-              <a:t>Delete </a:t>
+              <a:rPr lang="en-US" sz="4200" dirty="0"/>
+              <a:t>Update </a:t>
+            </a:r>
+          </a:p>
+          <a:p>
+            <a:pPr lvl="1"/>
+            <a:r>
+              <a:rPr lang="en-US" sz="4200" dirty="0"/>
+              <a:t>View who modified the data.</a:t>
             </a:r>
           </a:p>
           <a:p>
@@ -8634,7 +9064,7 @@
               <a:buNone/>
             </a:pPr>
             <a:r>
-              <a:rPr lang="en-US" dirty="0"/>
+              <a:rPr lang="en-US" sz="4200" dirty="0"/>
               <a:t>Only information on the database that the admin gives permission to modify.</a:t>
             </a:r>
           </a:p>
@@ -8642,13 +9072,13 @@
             <a:pPr marL="457200" lvl="1" indent="0">
               <a:buNone/>
             </a:pPr>
-            <a:endParaRPr lang="en-US" dirty="0"/>
+            <a:endParaRPr lang="en-US" sz="4200" dirty="0"/>
           </a:p>
           <a:p>
             <a:pPr indent="-285750"/>
             <a:r>
-              <a:rPr lang="en-US" dirty="0"/>
-              <a:t>MySQL admin has complete access to modifying the database and any information. </a:t>
+              <a:rPr lang="en-US" sz="4200" dirty="0"/>
+              <a:t>MySQL admin have complete access to modifying the database and any information. </a:t>
             </a:r>
           </a:p>
           <a:p>
@@ -8694,474 +9124,6 @@
           <p:cNvPr id="2" name="Title 1">
             <a:extLst>
               <a:ext uri="{FF2B5EF4-FFF2-40B4-BE49-F238E27FC236}">
-                <a16:creationId xmlns:a16="http://schemas.microsoft.com/office/drawing/2014/main" id="{65C0D9AE-210B-DA42-B925-CD11E5CB50F0}"/>
-              </a:ext>
-            </a:extLst>
-          </p:cNvPr>
-          <p:cNvSpPr>
-            <a:spLocks noGrp="1"/>
-          </p:cNvSpPr>
-          <p:nvPr>
-            <p:ph type="title"/>
-          </p:nvPr>
-        </p:nvSpPr>
-        <p:spPr/>
-        <p:txBody>
-          <a:bodyPr/>
-          <a:lstStyle/>
-          <a:p>
-            <a:r>
-              <a:rPr lang="en-US" dirty="0"/>
-              <a:t>VIEWS</a:t>
-            </a:r>
-          </a:p>
-        </p:txBody>
-      </p:sp>
-      <p:sp>
-        <p:nvSpPr>
-          <p:cNvPr id="3" name="Content Placeholder 2">
-            <a:extLst>
-              <a:ext uri="{FF2B5EF4-FFF2-40B4-BE49-F238E27FC236}">
-                <a16:creationId xmlns:a16="http://schemas.microsoft.com/office/drawing/2014/main" id="{94251A19-F1D6-4B45-AF4F-8C291AFA43FC}"/>
-              </a:ext>
-            </a:extLst>
-          </p:cNvPr>
-          <p:cNvSpPr>
-            <a:spLocks noGrp="1"/>
-          </p:cNvSpPr>
-          <p:nvPr>
-            <p:ph idx="1"/>
-          </p:nvPr>
-        </p:nvSpPr>
-        <p:spPr>
-          <a:xfrm>
-            <a:off x="598366" y="2110450"/>
-            <a:ext cx="4459770" cy="3777622"/>
-          </a:xfrm>
-        </p:spPr>
-        <p:txBody>
-          <a:bodyPr>
-            <a:normAutofit/>
-          </a:bodyPr>
-          <a:lstStyle/>
-          <a:p>
-            <a:r>
-              <a:rPr lang="en-US" dirty="0"/>
-              <a:t>1. Use case</a:t>
-            </a:r>
-          </a:p>
-          <a:p>
-            <a:pPr lvl="1"/>
-            <a:r>
-              <a:rPr lang="en-US" dirty="0"/>
-              <a:t>…</a:t>
-            </a:r>
-          </a:p>
-          <a:p>
-            <a:pPr lvl="1"/>
-            <a:r>
-              <a:rPr lang="en-US" dirty="0"/>
-              <a:t>…</a:t>
-            </a:r>
-          </a:p>
-          <a:p>
-            <a:pPr lvl="1"/>
-            <a:r>
-              <a:rPr lang="en-US" dirty="0"/>
-              <a:t>…</a:t>
-            </a:r>
-          </a:p>
-          <a:p>
-            <a:pPr marL="457200" lvl="1" indent="0">
-              <a:buNone/>
-            </a:pPr>
-            <a:endParaRPr lang="en-US" dirty="0"/>
-          </a:p>
-          <a:p>
-            <a:r>
-              <a:rPr lang="en-US" dirty="0"/>
-              <a:t>2. Deployment View</a:t>
-            </a:r>
-          </a:p>
-          <a:p>
-            <a:pPr lvl="1"/>
-            <a:r>
-              <a:rPr lang="en-US" dirty="0"/>
-              <a:t>…</a:t>
-            </a:r>
-          </a:p>
-          <a:p>
-            <a:pPr lvl="1"/>
-            <a:r>
-              <a:rPr lang="en-US" dirty="0"/>
-              <a:t>…</a:t>
-            </a:r>
-          </a:p>
-          <a:p>
-            <a:pPr lvl="1"/>
-            <a:r>
-              <a:rPr lang="en-US" dirty="0"/>
-              <a:t>…</a:t>
-            </a:r>
-          </a:p>
-          <a:p>
-            <a:pPr marL="457200" lvl="1" indent="0">
-              <a:buNone/>
-            </a:pPr>
-            <a:endParaRPr lang="en-US" dirty="0"/>
-          </a:p>
-        </p:txBody>
-      </p:sp>
-      <p:sp>
-        <p:nvSpPr>
-          <p:cNvPr id="4" name="Content Placeholder 2">
-            <a:extLst>
-              <a:ext uri="{FF2B5EF4-FFF2-40B4-BE49-F238E27FC236}">
-                <a16:creationId xmlns:a16="http://schemas.microsoft.com/office/drawing/2014/main" id="{3CF5B1D8-F96C-9743-A8CA-ECD9C952C933}"/>
-              </a:ext>
-            </a:extLst>
-          </p:cNvPr>
-          <p:cNvSpPr txBox="1">
-            <a:spLocks/>
-          </p:cNvSpPr>
-          <p:nvPr/>
-        </p:nvSpPr>
-        <p:spPr>
-          <a:xfrm>
-            <a:off x="5588984" y="2110450"/>
-            <a:ext cx="4459770" cy="3777622"/>
-          </a:xfrm>
-          <a:prstGeom prst="rect">
-            <a:avLst/>
-          </a:prstGeom>
-        </p:spPr>
-        <p:txBody>
-          <a:bodyPr vert="horz" lIns="91440" tIns="45720" rIns="91440" bIns="45720" rtlCol="0">
-            <a:normAutofit/>
-          </a:bodyPr>
-          <a:lstStyle>
-            <a:lvl1pPr marL="342900" indent="-342900" algn="l" defTabSz="457200" rtl="0" eaLnBrk="1" latinLnBrk="0" hangingPunct="1">
-              <a:spcBef>
-                <a:spcPts val="1000"/>
-              </a:spcBef>
-              <a:spcAft>
-                <a:spcPts val="0"/>
-              </a:spcAft>
-              <a:buClr>
-                <a:schemeClr val="accent1"/>
-              </a:buClr>
-              <a:buFont typeface="Wingdings 3" charset="2"/>
-              <a:buChar char=""/>
-              <a:defRPr sz="1800" kern="1200">
-                <a:solidFill>
-                  <a:schemeClr val="tx1">
-                    <a:lumMod val="75000"/>
-                    <a:lumOff val="25000"/>
-                  </a:schemeClr>
-                </a:solidFill>
-                <a:latin typeface="+mn-lt"/>
-                <a:ea typeface="+mn-ea"/>
-                <a:cs typeface="+mn-cs"/>
-              </a:defRPr>
-            </a:lvl1pPr>
-            <a:lvl2pPr marL="742950" indent="-285750" algn="l" defTabSz="457200" rtl="0" eaLnBrk="1" latinLnBrk="0" hangingPunct="1">
-              <a:spcBef>
-                <a:spcPts val="1000"/>
-              </a:spcBef>
-              <a:spcAft>
-                <a:spcPts val="0"/>
-              </a:spcAft>
-              <a:buClr>
-                <a:schemeClr val="accent1"/>
-              </a:buClr>
-              <a:buFont typeface="Wingdings 3" charset="2"/>
-              <a:buChar char=""/>
-              <a:defRPr sz="1600" kern="1200">
-                <a:solidFill>
-                  <a:schemeClr val="tx1">
-                    <a:lumMod val="75000"/>
-                    <a:lumOff val="25000"/>
-                  </a:schemeClr>
-                </a:solidFill>
-                <a:latin typeface="+mn-lt"/>
-                <a:ea typeface="+mn-ea"/>
-                <a:cs typeface="+mn-cs"/>
-              </a:defRPr>
-            </a:lvl2pPr>
-            <a:lvl3pPr marL="1143000" indent="-228600" algn="l" defTabSz="457200" rtl="0" eaLnBrk="1" latinLnBrk="0" hangingPunct="1">
-              <a:spcBef>
-                <a:spcPts val="1000"/>
-              </a:spcBef>
-              <a:spcAft>
-                <a:spcPts val="0"/>
-              </a:spcAft>
-              <a:buClr>
-                <a:schemeClr val="accent1"/>
-              </a:buClr>
-              <a:buFont typeface="Wingdings 3" charset="2"/>
-              <a:buChar char=""/>
-              <a:defRPr sz="1400" kern="1200">
-                <a:solidFill>
-                  <a:schemeClr val="tx1">
-                    <a:lumMod val="75000"/>
-                    <a:lumOff val="25000"/>
-                  </a:schemeClr>
-                </a:solidFill>
-                <a:latin typeface="+mn-lt"/>
-                <a:ea typeface="+mn-ea"/>
-                <a:cs typeface="+mn-cs"/>
-              </a:defRPr>
-            </a:lvl3pPr>
-            <a:lvl4pPr marL="1600200" indent="-228600" algn="l" defTabSz="457200" rtl="0" eaLnBrk="1" latinLnBrk="0" hangingPunct="1">
-              <a:spcBef>
-                <a:spcPts val="1000"/>
-              </a:spcBef>
-              <a:spcAft>
-                <a:spcPts val="0"/>
-              </a:spcAft>
-              <a:buClr>
-                <a:schemeClr val="accent1"/>
-              </a:buClr>
-              <a:buFont typeface="Wingdings 3" charset="2"/>
-              <a:buChar char=""/>
-              <a:defRPr sz="1200" kern="1200">
-                <a:solidFill>
-                  <a:schemeClr val="tx1">
-                    <a:lumMod val="75000"/>
-                    <a:lumOff val="25000"/>
-                  </a:schemeClr>
-                </a:solidFill>
-                <a:latin typeface="+mn-lt"/>
-                <a:ea typeface="+mn-ea"/>
-                <a:cs typeface="+mn-cs"/>
-              </a:defRPr>
-            </a:lvl4pPr>
-            <a:lvl5pPr marL="2057400" indent="-228600" algn="l" defTabSz="457200" rtl="0" eaLnBrk="1" latinLnBrk="0" hangingPunct="1">
-              <a:spcBef>
-                <a:spcPts val="1000"/>
-              </a:spcBef>
-              <a:spcAft>
-                <a:spcPts val="0"/>
-              </a:spcAft>
-              <a:buClr>
-                <a:schemeClr val="accent1"/>
-              </a:buClr>
-              <a:buFont typeface="Wingdings 3" charset="2"/>
-              <a:buChar char=""/>
-              <a:defRPr sz="1200" kern="1200">
-                <a:solidFill>
-                  <a:schemeClr val="tx1">
-                    <a:lumMod val="75000"/>
-                    <a:lumOff val="25000"/>
-                  </a:schemeClr>
-                </a:solidFill>
-                <a:latin typeface="+mn-lt"/>
-                <a:ea typeface="+mn-ea"/>
-                <a:cs typeface="+mn-cs"/>
-              </a:defRPr>
-            </a:lvl5pPr>
-            <a:lvl6pPr marL="2514600" indent="-228600" algn="l" defTabSz="457200" rtl="0" eaLnBrk="1" latinLnBrk="0" hangingPunct="1">
-              <a:spcBef>
-                <a:spcPts val="1000"/>
-              </a:spcBef>
-              <a:spcAft>
-                <a:spcPts val="0"/>
-              </a:spcAft>
-              <a:buClr>
-                <a:schemeClr val="accent1"/>
-              </a:buClr>
-              <a:buFont typeface="Wingdings 3" charset="2"/>
-              <a:buChar char=""/>
-              <a:defRPr sz="1200" kern="1200">
-                <a:solidFill>
-                  <a:schemeClr val="tx1">
-                    <a:lumMod val="75000"/>
-                    <a:lumOff val="25000"/>
-                  </a:schemeClr>
-                </a:solidFill>
-                <a:latin typeface="+mn-lt"/>
-                <a:ea typeface="+mn-ea"/>
-                <a:cs typeface="+mn-cs"/>
-              </a:defRPr>
-            </a:lvl6pPr>
-            <a:lvl7pPr marL="2971800" indent="-228600" algn="l" defTabSz="457200" rtl="0" eaLnBrk="1" latinLnBrk="0" hangingPunct="1">
-              <a:spcBef>
-                <a:spcPts val="1000"/>
-              </a:spcBef>
-              <a:spcAft>
-                <a:spcPts val="0"/>
-              </a:spcAft>
-              <a:buClr>
-                <a:schemeClr val="accent1"/>
-              </a:buClr>
-              <a:buFont typeface="Wingdings 3" charset="2"/>
-              <a:buChar char=""/>
-              <a:defRPr sz="1200" kern="1200">
-                <a:solidFill>
-                  <a:schemeClr val="tx1">
-                    <a:lumMod val="75000"/>
-                    <a:lumOff val="25000"/>
-                  </a:schemeClr>
-                </a:solidFill>
-                <a:latin typeface="+mn-lt"/>
-                <a:ea typeface="+mn-ea"/>
-                <a:cs typeface="+mn-cs"/>
-              </a:defRPr>
-            </a:lvl7pPr>
-            <a:lvl8pPr marL="3429000" indent="-228600" algn="l" defTabSz="457200" rtl="0" eaLnBrk="1" latinLnBrk="0" hangingPunct="1">
-              <a:spcBef>
-                <a:spcPts val="1000"/>
-              </a:spcBef>
-              <a:spcAft>
-                <a:spcPts val="0"/>
-              </a:spcAft>
-              <a:buClr>
-                <a:schemeClr val="accent1"/>
-              </a:buClr>
-              <a:buFont typeface="Wingdings 3" charset="2"/>
-              <a:buChar char=""/>
-              <a:defRPr sz="1200" kern="1200">
-                <a:solidFill>
-                  <a:schemeClr val="tx1">
-                    <a:lumMod val="75000"/>
-                    <a:lumOff val="25000"/>
-                  </a:schemeClr>
-                </a:solidFill>
-                <a:latin typeface="+mn-lt"/>
-                <a:ea typeface="+mn-ea"/>
-                <a:cs typeface="+mn-cs"/>
-              </a:defRPr>
-            </a:lvl8pPr>
-            <a:lvl9pPr marL="3886200" indent="-228600" algn="l" defTabSz="457200" rtl="0" eaLnBrk="1" latinLnBrk="0" hangingPunct="1">
-              <a:spcBef>
-                <a:spcPts val="1000"/>
-              </a:spcBef>
-              <a:spcAft>
-                <a:spcPts val="0"/>
-              </a:spcAft>
-              <a:buClr>
-                <a:schemeClr val="accent1"/>
-              </a:buClr>
-              <a:buFont typeface="Wingdings 3" charset="2"/>
-              <a:buChar char=""/>
-              <a:defRPr sz="1200" kern="1200">
-                <a:solidFill>
-                  <a:schemeClr val="tx1">
-                    <a:lumMod val="75000"/>
-                    <a:lumOff val="25000"/>
-                  </a:schemeClr>
-                </a:solidFill>
-                <a:latin typeface="+mn-lt"/>
-                <a:ea typeface="+mn-ea"/>
-                <a:cs typeface="+mn-cs"/>
-              </a:defRPr>
-            </a:lvl9pPr>
-          </a:lstStyle>
-          <a:p>
-            <a:r>
-              <a:rPr lang="en-US" dirty="0"/>
-              <a:t>3. Implementation View</a:t>
-            </a:r>
-          </a:p>
-          <a:p>
-            <a:pPr lvl="1"/>
-            <a:r>
-              <a:rPr lang="en-US" dirty="0"/>
-              <a:t>…</a:t>
-            </a:r>
-          </a:p>
-          <a:p>
-            <a:pPr lvl="1"/>
-            <a:r>
-              <a:rPr lang="en-US" dirty="0"/>
-              <a:t>…</a:t>
-            </a:r>
-          </a:p>
-          <a:p>
-            <a:pPr lvl="1"/>
-            <a:r>
-              <a:rPr lang="en-US" dirty="0"/>
-              <a:t>…</a:t>
-            </a:r>
-          </a:p>
-          <a:p>
-            <a:pPr marL="457200" lvl="1" indent="0">
-              <a:buFont typeface="Wingdings 3" charset="2"/>
-              <a:buNone/>
-            </a:pPr>
-            <a:endParaRPr lang="en-US" dirty="0"/>
-          </a:p>
-          <a:p>
-            <a:r>
-              <a:rPr lang="en-US" dirty="0"/>
-              <a:t>4. Requirement View</a:t>
-            </a:r>
-          </a:p>
-          <a:p>
-            <a:pPr lvl="1"/>
-            <a:r>
-              <a:rPr lang="en-US" dirty="0"/>
-              <a:t>…</a:t>
-            </a:r>
-          </a:p>
-          <a:p>
-            <a:pPr lvl="1"/>
-            <a:r>
-              <a:rPr lang="en-US" dirty="0"/>
-              <a:t>…</a:t>
-            </a:r>
-          </a:p>
-          <a:p>
-            <a:pPr lvl="1"/>
-            <a:r>
-              <a:rPr lang="en-US" dirty="0"/>
-              <a:t>…</a:t>
-            </a:r>
-          </a:p>
-          <a:p>
-            <a:pPr marL="457200" lvl="1" indent="0">
-              <a:buFont typeface="Wingdings 3" charset="2"/>
-              <a:buNone/>
-            </a:pPr>
-            <a:endParaRPr lang="en-US" dirty="0"/>
-          </a:p>
-        </p:txBody>
-      </p:sp>
-    </p:spTree>
-    <p:extLst>
-      <p:ext uri="{BB962C8B-B14F-4D97-AF65-F5344CB8AC3E}">
-        <p14:creationId xmlns:p14="http://schemas.microsoft.com/office/powerpoint/2010/main" val="1303750713"/>
-      </p:ext>
-    </p:extLst>
-  </p:cSld>
-  <p:clrMapOvr>
-    <a:masterClrMapping/>
-  </p:clrMapOvr>
-</p:sld>
-</file>
-
-<file path=ppt/slides/slide4.xml><?xml version="1.0" encoding="utf-8"?>
-<p:sld xmlns:a="http://schemas.openxmlformats.org/drawingml/2006/main" xmlns:r="http://schemas.openxmlformats.org/officeDocument/2006/relationships" xmlns:p="http://schemas.openxmlformats.org/presentationml/2006/main" showMasterSp="0">
-  <p:cSld>
-    <p:spTree>
-      <p:nvGrpSpPr>
-        <p:cNvPr id="1" name=""/>
-        <p:cNvGrpSpPr/>
-        <p:nvPr/>
-      </p:nvGrpSpPr>
-      <p:grpSpPr>
-        <a:xfrm>
-          <a:off x="0" y="0"/>
-          <a:ext cx="0" cy="0"/>
-          <a:chOff x="0" y="0"/>
-          <a:chExt cx="0" cy="0"/>
-        </a:xfrm>
-      </p:grpSpPr>
-      <p:sp>
-        <p:nvSpPr>
-          <p:cNvPr id="2" name="Title 1">
-            <a:extLst>
-              <a:ext uri="{FF2B5EF4-FFF2-40B4-BE49-F238E27FC236}">
                 <a16:creationId xmlns:a16="http://schemas.microsoft.com/office/drawing/2014/main" id="{3112B803-1303-C543-A518-215696CEEB4F}"/>
               </a:ext>
             </a:extLst>
@@ -9173,7 +9135,12 @@
             <p:ph type="title"/>
           </p:nvPr>
         </p:nvSpPr>
-        <p:spPr/>
+        <p:spPr>
+          <a:xfrm>
+            <a:off x="1373725" y="1066435"/>
+            <a:ext cx="8911687" cy="1280890"/>
+          </a:xfrm>
+        </p:spPr>
         <p:txBody>
           <a:bodyPr/>
           <a:lstStyle/>
@@ -9201,39 +9168,73 @@
             <p:ph idx="1"/>
           </p:nvPr>
         </p:nvSpPr>
-        <p:spPr/>
-        <p:txBody>
-          <a:bodyPr/>
+        <p:spPr>
+          <a:xfrm>
+            <a:off x="1370012" y="2057400"/>
+            <a:ext cx="8915400" cy="4297680"/>
+          </a:xfrm>
+        </p:spPr>
+        <p:txBody>
+          <a:bodyPr>
+            <a:normAutofit fontScale="92500" lnSpcReduction="10000"/>
+          </a:bodyPr>
           <a:lstStyle/>
           <a:p>
             <a:r>
-              <a:rPr lang="en-US" dirty="0"/>
-              <a:t>What are the stats for last game?</a:t>
-            </a:r>
-          </a:p>
-          <a:p>
-            <a:r>
-              <a:rPr lang="en-US" dirty="0"/>
-              <a:t>Who played in game “X”?</a:t>
-            </a:r>
-          </a:p>
-          <a:p>
-            <a:r>
-              <a:rPr lang="en-US" dirty="0"/>
-              <a:t>What games did player “X” play in?</a:t>
-            </a:r>
-          </a:p>
-          <a:p>
-            <a:r>
-              <a:rPr lang="en-US" dirty="0"/>
-              <a:t>Who has an account?</a:t>
-            </a:r>
-          </a:p>
-          <a:p>
-            <a:r>
-              <a:rPr lang="en-US" dirty="0"/>
-              <a:t>…</a:t>
-            </a:r>
+              <a:rPr lang="en-US" sz="2600" dirty="0"/>
+              <a:t>How do I log in?</a:t>
+            </a:r>
+          </a:p>
+          <a:p>
+            <a:r>
+              <a:rPr lang="en-US" sz="2600" dirty="0"/>
+              <a:t>How do I reset my password?</a:t>
+            </a:r>
+          </a:p>
+          <a:p>
+            <a:r>
+              <a:rPr lang="en-US" sz="2600" dirty="0"/>
+              <a:t>How do I add game stats?</a:t>
+            </a:r>
+          </a:p>
+          <a:p>
+            <a:r>
+              <a:rPr lang="en-US" sz="2600" dirty="0"/>
+              <a:t>How do I activate or inactivate a player?</a:t>
+            </a:r>
+          </a:p>
+          <a:p>
+            <a:r>
+              <a:rPr lang="en-US" sz="2600" dirty="0"/>
+              <a:t>How do I add a player?</a:t>
+            </a:r>
+          </a:p>
+          <a:p>
+            <a:r>
+              <a:rPr lang="en-US" sz="2600" dirty="0"/>
+              <a:t>How do I view the schedule?</a:t>
+            </a:r>
+          </a:p>
+          <a:p>
+            <a:r>
+              <a:rPr lang="en-US" sz="2600" dirty="0"/>
+              <a:t>How do I see a box score of a game?</a:t>
+            </a:r>
+          </a:p>
+          <a:p>
+            <a:r>
+              <a:rPr lang="en-US" sz="2600" dirty="0"/>
+              <a:t>How do I view a plater stats per game?</a:t>
+            </a:r>
+          </a:p>
+          <a:p>
+            <a:r>
+              <a:rPr lang="en-US" sz="2600" dirty="0"/>
+              <a:t>How do I view the team roster?</a:t>
+            </a:r>
+          </a:p>
+          <a:p>
+            <a:endParaRPr lang="en-US" dirty="0"/>
           </a:p>
         </p:txBody>
       </p:sp>
@@ -9250,7 +9251,7 @@
 </p:sld>
 </file>
 
-<file path=ppt/slides/slide5.xml><?xml version="1.0" encoding="utf-8"?>
+<file path=ppt/slides/slide4.xml><?xml version="1.0" encoding="utf-8"?>
 <p:sld xmlns:a="http://schemas.openxmlformats.org/drawingml/2006/main" xmlns:r="http://schemas.openxmlformats.org/officeDocument/2006/relationships" xmlns:p="http://schemas.openxmlformats.org/presentationml/2006/main" showMasterSp="0">
   <p:cSld>
     <p:spTree>
@@ -9363,7 +9364,7 @@
 </p:sld>
 </file>
 
-<file path=ppt/slides/slide6.xml><?xml version="1.0" encoding="utf-8"?>
+<file path=ppt/slides/slide5.xml><?xml version="1.0" encoding="utf-8"?>
 <p:sld xmlns:a="http://schemas.openxmlformats.org/drawingml/2006/main" xmlns:r="http://schemas.openxmlformats.org/officeDocument/2006/relationships" xmlns:p="http://schemas.openxmlformats.org/presentationml/2006/main" showMasterSp="0">
   <p:cSld>
     <p:spTree>
@@ -9440,7 +9441,7 @@
         <p:spPr>
           <a:xfrm>
             <a:off x="1345474" y="1214438"/>
-            <a:ext cx="9913076" cy="5186362"/>
+            <a:ext cx="10175966" cy="5186362"/>
           </a:xfrm>
           <a:gradFill>
             <a:gsLst>
@@ -9476,7 +9477,7 @@
 </p:sld>
 </file>
 
-<file path=ppt/slides/slide7.xml><?xml version="1.0" encoding="utf-8"?>
+<file path=ppt/slides/slide6.xml><?xml version="1.0" encoding="utf-8"?>
 <p:sld xmlns:a="http://schemas.openxmlformats.org/drawingml/2006/main" xmlns:r="http://schemas.openxmlformats.org/officeDocument/2006/relationships" xmlns:p="http://schemas.openxmlformats.org/presentationml/2006/main" showMasterSp="0">
   <p:cSld>
     <p:spTree>
@@ -9590,7 +9591,7 @@
 </p:sld>
 </file>
 
-<file path=ppt/slides/slide8.xml><?xml version="1.0" encoding="utf-8"?>
+<file path=ppt/slides/slide7.xml><?xml version="1.0" encoding="utf-8"?>
 <p:sld xmlns:a="http://schemas.openxmlformats.org/drawingml/2006/main" xmlns:r="http://schemas.openxmlformats.org/officeDocument/2006/relationships" xmlns:p="http://schemas.openxmlformats.org/presentationml/2006/main" showMasterSp="0">
   <p:cSld>
     <p:spTree>
@@ -9750,7 +9751,7 @@
 </p:sld>
 </file>
 
-<file path=ppt/slides/slide9.xml><?xml version="1.0" encoding="utf-8"?>
+<file path=ppt/slides/slide8.xml><?xml version="1.0" encoding="utf-8"?>
 <p:sld xmlns:a="http://schemas.openxmlformats.org/drawingml/2006/main" xmlns:r="http://schemas.openxmlformats.org/officeDocument/2006/relationships" xmlns:p="http://schemas.openxmlformats.org/presentationml/2006/main" showMasterSp="0">
   <p:cSld>
     <p:spTree>
@@ -10089,23 +10090,459 @@
           </a:p>
         </p:txBody>
       </p:sp>
+      <p:sp>
+        <p:nvSpPr>
+          <p:cNvPr id="2" name="Title 1">
+            <a:extLst>
+              <a:ext uri="{FF2B5EF4-FFF2-40B4-BE49-F238E27FC236}">
+                <a16:creationId xmlns:a16="http://schemas.microsoft.com/office/drawing/2014/main" id="{E4098E42-CF5F-484E-A94E-871A828C153B}"/>
+              </a:ext>
+            </a:extLst>
+          </p:cNvPr>
+          <p:cNvSpPr>
+            <a:spLocks noGrp="1"/>
+          </p:cNvSpPr>
+          <p:nvPr>
+            <p:ph type="title"/>
+          </p:nvPr>
+        </p:nvSpPr>
+        <p:spPr>
+          <a:xfrm>
+            <a:off x="649224" y="645106"/>
+            <a:ext cx="4880038" cy="750320"/>
+          </a:xfrm>
+        </p:spPr>
+        <p:txBody>
+          <a:bodyPr>
+            <a:normAutofit/>
+          </a:bodyPr>
+          <a:lstStyle/>
+          <a:p>
+            <a:r>
+              <a:rPr lang="en-US" dirty="0"/>
+              <a:t>REQUIREMENT VIEW</a:t>
+            </a:r>
+          </a:p>
+        </p:txBody>
+      </p:sp>
+      <p:sp>
+        <p:nvSpPr>
+          <p:cNvPr id="10" name="Content Placeholder 9">
+            <a:extLst>
+              <a:ext uri="{FF2B5EF4-FFF2-40B4-BE49-F238E27FC236}">
+                <a16:creationId xmlns:a16="http://schemas.microsoft.com/office/drawing/2014/main" id="{F6D6A1B8-851C-4FFB-897F-3D0E6534D062}"/>
+              </a:ext>
+            </a:extLst>
+          </p:cNvPr>
+          <p:cNvSpPr>
+            <a:spLocks noGrp="1"/>
+          </p:cNvSpPr>
+          <p:nvPr>
+            <p:ph idx="1"/>
+          </p:nvPr>
+        </p:nvSpPr>
+        <p:spPr>
+          <a:xfrm>
+            <a:off x="649224" y="1685926"/>
+            <a:ext cx="11283696" cy="4577714"/>
+          </a:xfrm>
+        </p:spPr>
+        <p:txBody>
+          <a:bodyPr numCol="2">
+            <a:normAutofit fontScale="92500" lnSpcReduction="10000"/>
+          </a:bodyPr>
+          <a:lstStyle/>
+          <a:p>
+            <a:pPr marL="0" indent="0">
+              <a:buNone/>
+            </a:pPr>
+            <a:r>
+              <a:rPr lang="en-US" sz="1600" b="1" dirty="0"/>
+              <a:t>READERS:</a:t>
+            </a:r>
+            <a:endParaRPr lang="en-US" sz="1600" dirty="0"/>
+          </a:p>
+          <a:p>
+            <a:pPr>
+              <a:lnSpc>
+                <a:spcPct val="120000"/>
+              </a:lnSpc>
+              <a:spcBef>
+                <a:spcPts val="0"/>
+              </a:spcBef>
+            </a:pPr>
+            <a:r>
+              <a:rPr lang="en-US" sz="1600" dirty="0"/>
+              <a:t>Readers shall be able to view players statistic data.</a:t>
+            </a:r>
+          </a:p>
+          <a:p>
+            <a:pPr>
+              <a:lnSpc>
+                <a:spcPct val="120000"/>
+              </a:lnSpc>
+              <a:spcBef>
+                <a:spcPts val="0"/>
+              </a:spcBef>
+            </a:pPr>
+            <a:r>
+              <a:rPr lang="en-US" sz="1600" dirty="0"/>
+              <a:t>Readers shall be able to view current games and upcoming games.</a:t>
+            </a:r>
+          </a:p>
+          <a:p>
+            <a:pPr>
+              <a:lnSpc>
+                <a:spcPct val="120000"/>
+              </a:lnSpc>
+              <a:spcBef>
+                <a:spcPts val="0"/>
+              </a:spcBef>
+            </a:pPr>
+            <a:r>
+              <a:rPr lang="en-US" sz="1600" dirty="0"/>
+              <a:t>Readers shall be able to view each team and their statistics (games won, loss, and played).</a:t>
+            </a:r>
+          </a:p>
+          <a:p>
+            <a:pPr>
+              <a:lnSpc>
+                <a:spcPct val="120000"/>
+              </a:lnSpc>
+              <a:spcBef>
+                <a:spcPts val="0"/>
+              </a:spcBef>
+            </a:pPr>
+            <a:r>
+              <a:rPr lang="en-US" sz="1600" dirty="0"/>
+              <a:t>Readers shall be able to view if players are active or inactive on certain games.</a:t>
+            </a:r>
+          </a:p>
+          <a:p>
+            <a:pPr>
+              <a:lnSpc>
+                <a:spcPct val="120000"/>
+              </a:lnSpc>
+              <a:spcBef>
+                <a:spcPts val="0"/>
+              </a:spcBef>
+            </a:pPr>
+            <a:r>
+              <a:rPr lang="en-US" sz="1600" dirty="0"/>
+              <a:t>Readers shall not change any stats or crucial data for any player or game.</a:t>
+            </a:r>
+          </a:p>
+          <a:p>
+            <a:pPr>
+              <a:lnSpc>
+                <a:spcPct val="120000"/>
+              </a:lnSpc>
+              <a:spcBef>
+                <a:spcPts val="0"/>
+              </a:spcBef>
+            </a:pPr>
+            <a:r>
+              <a:rPr lang="en-US" sz="1600" dirty="0"/>
+              <a:t>Readers shall not access any database or have control of any information. </a:t>
+            </a:r>
+          </a:p>
+          <a:p>
+            <a:pPr marL="0" indent="0">
+              <a:lnSpc>
+                <a:spcPct val="120000"/>
+              </a:lnSpc>
+              <a:spcBef>
+                <a:spcPts val="0"/>
+              </a:spcBef>
+              <a:buNone/>
+            </a:pPr>
+            <a:endParaRPr lang="en-US" sz="1600" b="1" dirty="0"/>
+          </a:p>
+          <a:p>
+            <a:pPr marL="0" indent="0">
+              <a:lnSpc>
+                <a:spcPct val="120000"/>
+              </a:lnSpc>
+              <a:spcBef>
+                <a:spcPts val="0"/>
+              </a:spcBef>
+              <a:buNone/>
+            </a:pPr>
+            <a:r>
+              <a:rPr lang="en-US" sz="1600" b="1" dirty="0"/>
+              <a:t>DATA:</a:t>
+            </a:r>
+            <a:endParaRPr lang="en-US" sz="1600" dirty="0"/>
+          </a:p>
+          <a:p>
+            <a:pPr>
+              <a:lnSpc>
+                <a:spcPct val="120000"/>
+              </a:lnSpc>
+              <a:spcBef>
+                <a:spcPts val="0"/>
+              </a:spcBef>
+            </a:pPr>
+            <a:r>
+              <a:rPr lang="en-US" sz="1600" dirty="0"/>
+              <a:t>Data shall be able to change as the users update the players.</a:t>
+            </a:r>
+          </a:p>
+          <a:p>
+            <a:pPr>
+              <a:lnSpc>
+                <a:spcPct val="120000"/>
+              </a:lnSpc>
+              <a:spcBef>
+                <a:spcPts val="0"/>
+              </a:spcBef>
+            </a:pPr>
+            <a:r>
+              <a:rPr lang="en-US" sz="1600" dirty="0"/>
+              <a:t>Data shall be able to change as the admin changes the database.</a:t>
+            </a:r>
+          </a:p>
+          <a:p>
+            <a:pPr>
+              <a:lnSpc>
+                <a:spcPct val="120000"/>
+              </a:lnSpc>
+              <a:spcBef>
+                <a:spcPts val="0"/>
+              </a:spcBef>
+            </a:pPr>
+            <a:endParaRPr lang="en-US" sz="1600" dirty="0"/>
+          </a:p>
+          <a:p>
+            <a:pPr marL="0" indent="0">
+              <a:lnSpc>
+                <a:spcPct val="120000"/>
+              </a:lnSpc>
+              <a:spcBef>
+                <a:spcPts val="0"/>
+              </a:spcBef>
+              <a:buNone/>
+            </a:pPr>
+            <a:r>
+              <a:rPr lang="en-US" sz="1600" b="1" dirty="0"/>
+              <a:t> </a:t>
+            </a:r>
+            <a:endParaRPr lang="en-US" sz="1600" dirty="0"/>
+          </a:p>
+          <a:p>
+            <a:pPr marL="0" indent="0">
+              <a:lnSpc>
+                <a:spcPct val="120000"/>
+              </a:lnSpc>
+              <a:spcBef>
+                <a:spcPts val="0"/>
+              </a:spcBef>
+              <a:buNone/>
+            </a:pPr>
+            <a:r>
+              <a:rPr lang="en-US" sz="1600" b="1" dirty="0"/>
+              <a:t>ADMIN:</a:t>
+            </a:r>
+            <a:endParaRPr lang="en-US" sz="1600" dirty="0"/>
+          </a:p>
+          <a:p>
+            <a:pPr>
+              <a:lnSpc>
+                <a:spcPct val="120000"/>
+              </a:lnSpc>
+              <a:spcBef>
+                <a:spcPts val="0"/>
+              </a:spcBef>
+            </a:pPr>
+            <a:r>
+              <a:rPr lang="en-US" sz="1600" dirty="0"/>
+              <a:t>Admin shall be able to view players statistic data.</a:t>
+            </a:r>
+          </a:p>
+          <a:p>
+            <a:pPr>
+              <a:lnSpc>
+                <a:spcPct val="120000"/>
+              </a:lnSpc>
+              <a:spcBef>
+                <a:spcPts val="0"/>
+              </a:spcBef>
+            </a:pPr>
+            <a:r>
+              <a:rPr lang="en-US" sz="1600" dirty="0"/>
+              <a:t>Admin shall be able to view current games and upcoming games.</a:t>
+            </a:r>
+          </a:p>
+          <a:p>
+            <a:pPr>
+              <a:lnSpc>
+                <a:spcPct val="120000"/>
+              </a:lnSpc>
+              <a:spcBef>
+                <a:spcPts val="0"/>
+              </a:spcBef>
+            </a:pPr>
+            <a:r>
+              <a:rPr lang="en-US" sz="1600" dirty="0"/>
+              <a:t>Admin shall be able to view each team and their statistics.</a:t>
+            </a:r>
+          </a:p>
+          <a:p>
+            <a:pPr>
+              <a:lnSpc>
+                <a:spcPct val="120000"/>
+              </a:lnSpc>
+              <a:spcBef>
+                <a:spcPts val="0"/>
+              </a:spcBef>
+            </a:pPr>
+            <a:r>
+              <a:rPr lang="en-US" sz="1600" dirty="0"/>
+              <a:t>Admin shall be able to view if players are active or inactive.</a:t>
+            </a:r>
+          </a:p>
+          <a:p>
+            <a:pPr>
+              <a:lnSpc>
+                <a:spcPct val="120000"/>
+              </a:lnSpc>
+              <a:spcBef>
+                <a:spcPts val="0"/>
+              </a:spcBef>
+            </a:pPr>
+            <a:r>
+              <a:rPr lang="en-US" sz="1600" dirty="0"/>
+              <a:t>Admin shall be able to modify any data on the database.</a:t>
+            </a:r>
+          </a:p>
+          <a:p>
+            <a:pPr>
+              <a:lnSpc>
+                <a:spcPct val="120000"/>
+              </a:lnSpc>
+              <a:spcBef>
+                <a:spcPts val="0"/>
+              </a:spcBef>
+            </a:pPr>
+            <a:r>
+              <a:rPr lang="en-US" sz="1600" dirty="0"/>
+              <a:t>Admin shall be able to remove any user off the database.</a:t>
+            </a:r>
+          </a:p>
+          <a:p>
+            <a:pPr>
+              <a:lnSpc>
+                <a:spcPct val="120000"/>
+              </a:lnSpc>
+              <a:spcBef>
+                <a:spcPts val="0"/>
+              </a:spcBef>
+            </a:pPr>
+            <a:r>
+              <a:rPr lang="en-US" sz="1600" dirty="0"/>
+              <a:t>Admin shall be able to modify any tables in the database.</a:t>
+            </a:r>
+          </a:p>
+          <a:p>
+            <a:pPr marL="0" indent="0">
+              <a:lnSpc>
+                <a:spcPct val="120000"/>
+              </a:lnSpc>
+              <a:spcBef>
+                <a:spcPts val="0"/>
+              </a:spcBef>
+              <a:buNone/>
+            </a:pPr>
+            <a:r>
+              <a:rPr lang="en-US" sz="1600" b="1" dirty="0"/>
+              <a:t> </a:t>
+            </a:r>
+            <a:endParaRPr lang="en-US" sz="1600" dirty="0"/>
+          </a:p>
+        </p:txBody>
+      </p:sp>
+    </p:spTree>
+    <p:extLst>
+      <p:ext uri="{BB962C8B-B14F-4D97-AF65-F5344CB8AC3E}">
+        <p14:creationId xmlns:p14="http://schemas.microsoft.com/office/powerpoint/2010/main" val="2780457492"/>
+      </p:ext>
+    </p:extLst>
+  </p:cSld>
+  <p:clrMapOvr>
+    <a:masterClrMapping/>
+  </p:clrMapOvr>
+</p:sld>
+</file>
+
+<file path=ppt/slides/slide9.xml><?xml version="1.0" encoding="utf-8"?>
+<p:sld xmlns:a="http://schemas.openxmlformats.org/drawingml/2006/main" xmlns:r="http://schemas.openxmlformats.org/officeDocument/2006/relationships" xmlns:p="http://schemas.openxmlformats.org/presentationml/2006/main" showMasterSp="0">
+  <p:cSld>
+    <p:spTree>
+      <p:nvGrpSpPr>
+        <p:cNvPr id="1" name=""/>
+        <p:cNvGrpSpPr/>
+        <p:nvPr/>
+      </p:nvGrpSpPr>
+      <p:grpSpPr>
+        <a:xfrm>
+          <a:off x="0" y="0"/>
+          <a:ext cx="0" cy="0"/>
+          <a:chOff x="0" y="0"/>
+          <a:chExt cx="0" cy="0"/>
+        </a:xfrm>
+      </p:grpSpPr>
+      <p:sp>
+        <p:nvSpPr>
+          <p:cNvPr id="2" name="Title 1">
+            <a:extLst>
+              <a:ext uri="{FF2B5EF4-FFF2-40B4-BE49-F238E27FC236}">
+                <a16:creationId xmlns:a16="http://schemas.microsoft.com/office/drawing/2014/main" id="{F2B4A0E9-24A8-694F-A2A7-92F480CF4C11}"/>
+              </a:ext>
+            </a:extLst>
+          </p:cNvPr>
+          <p:cNvSpPr>
+            <a:spLocks noGrp="1"/>
+          </p:cNvSpPr>
+          <p:nvPr>
+            <p:ph type="title"/>
+          </p:nvPr>
+        </p:nvSpPr>
+        <p:spPr>
+          <a:xfrm>
+            <a:off x="822960" y="685070"/>
+            <a:ext cx="8911687" cy="1280890"/>
+          </a:xfrm>
+        </p:spPr>
+        <p:txBody>
+          <a:bodyPr/>
+          <a:lstStyle/>
+          <a:p>
+            <a:r>
+              <a:rPr lang="en-US" dirty="0"/>
+              <a:t>REQUIREMENT VIEW DIAGRAM</a:t>
+            </a:r>
+          </a:p>
+        </p:txBody>
+      </p:sp>
       <p:pic>
         <p:nvPicPr>
-          <p:cNvPr id="8" name="Content Placeholder 4">
+          <p:cNvPr id="4" name="Content Placeholder 4">
             <a:extLst>
               <a:ext uri="{FF2B5EF4-FFF2-40B4-BE49-F238E27FC236}">
-                <a16:creationId xmlns:a16="http://schemas.microsoft.com/office/drawing/2014/main" id="{C774BED1-6BBF-A446-9D19-03C0D6B7CBA8}"/>
+                <a16:creationId xmlns:a16="http://schemas.microsoft.com/office/drawing/2014/main" id="{D752E8F0-56DB-FE46-BF3E-4D5AF8E3B932}"/>
               </a:ext>
             </a:extLst>
           </p:cNvPr>
           <p:cNvPicPr>
-            <a:picLocks noChangeAspect="1"/>
+            <a:picLocks noGrp="1" noChangeAspect="1"/>
           </p:cNvPicPr>
-          <p:nvPr/>
+          <p:nvPr>
+            <p:ph idx="1"/>
+          </p:nvPr>
         </p:nvPicPr>
         <p:blipFill>
-          <a:blip r:embed="rId3">
-            <a:alphaModFix amt="80000"/>
+          <a:blip r:embed="rId2">
+            <a:alphaModFix amt="75000"/>
           </a:blip>
           <a:stretch>
             <a:fillRect/>
@@ -10113,8 +10550,8 @@
         </p:blipFill>
         <p:spPr>
           <a:xfrm>
-            <a:off x="5529262" y="1282823"/>
-            <a:ext cx="5965921" cy="4610030"/>
+            <a:off x="822960" y="1493520"/>
+            <a:ext cx="10302240" cy="5120640"/>
           </a:xfrm>
           <a:prstGeom prst="rect">
             <a:avLst/>
@@ -10140,217 +10577,10 @@
           </a:gradFill>
         </p:spPr>
       </p:pic>
-      <p:sp>
-        <p:nvSpPr>
-          <p:cNvPr id="2" name="Title 1">
-            <a:extLst>
-              <a:ext uri="{FF2B5EF4-FFF2-40B4-BE49-F238E27FC236}">
-                <a16:creationId xmlns:a16="http://schemas.microsoft.com/office/drawing/2014/main" id="{E4098E42-CF5F-484E-A94E-871A828C153B}"/>
-              </a:ext>
-            </a:extLst>
-          </p:cNvPr>
-          <p:cNvSpPr>
-            <a:spLocks noGrp="1"/>
-          </p:cNvSpPr>
-          <p:nvPr>
-            <p:ph type="title"/>
-          </p:nvPr>
-        </p:nvSpPr>
-        <p:spPr>
-          <a:xfrm>
-            <a:off x="649224" y="645106"/>
-            <a:ext cx="4880038" cy="750320"/>
-          </a:xfrm>
-        </p:spPr>
-        <p:txBody>
-          <a:bodyPr>
-            <a:normAutofit/>
-          </a:bodyPr>
-          <a:lstStyle/>
-          <a:p>
-            <a:r>
-              <a:rPr lang="en-US" dirty="0"/>
-              <a:t>REQUIREMENT VIEW</a:t>
-            </a:r>
-          </a:p>
-        </p:txBody>
-      </p:sp>
-      <p:sp>
-        <p:nvSpPr>
-          <p:cNvPr id="10" name="Content Placeholder 9">
-            <a:extLst>
-              <a:ext uri="{FF2B5EF4-FFF2-40B4-BE49-F238E27FC236}">
-                <a16:creationId xmlns:a16="http://schemas.microsoft.com/office/drawing/2014/main" id="{F6D6A1B8-851C-4FFB-897F-3D0E6534D062}"/>
-              </a:ext>
-            </a:extLst>
-          </p:cNvPr>
-          <p:cNvSpPr>
-            <a:spLocks noGrp="1"/>
-          </p:cNvSpPr>
-          <p:nvPr>
-            <p:ph idx="1"/>
-          </p:nvPr>
-        </p:nvSpPr>
-        <p:spPr>
-          <a:xfrm>
-            <a:off x="649224" y="1685926"/>
-            <a:ext cx="4680013" cy="4206928"/>
-          </a:xfrm>
-        </p:spPr>
-        <p:txBody>
-          <a:bodyPr>
-            <a:normAutofit fontScale="32500" lnSpcReduction="20000"/>
-          </a:bodyPr>
-          <a:lstStyle/>
-          <a:p>
-            <a:pPr marL="0" indent="0">
-              <a:buNone/>
-            </a:pPr>
-            <a:r>
-              <a:rPr lang="en-US" b="1" dirty="0"/>
-              <a:t>READERS:</a:t>
-            </a:r>
-            <a:endParaRPr lang="en-US" dirty="0"/>
-          </a:p>
-          <a:p>
-            <a:r>
-              <a:rPr lang="en-US" dirty="0"/>
-              <a:t>Readers shall be able to view players statistic data.</a:t>
-            </a:r>
-          </a:p>
-          <a:p>
-            <a:r>
-              <a:rPr lang="en-US" dirty="0"/>
-              <a:t>Readers shall be able to view current games and upcoming games.</a:t>
-            </a:r>
-          </a:p>
-          <a:p>
-            <a:r>
-              <a:rPr lang="en-US" dirty="0"/>
-              <a:t>Readers shall be able to view each team and their statistics (games won, loss, and played).</a:t>
-            </a:r>
-          </a:p>
-          <a:p>
-            <a:r>
-              <a:rPr lang="en-US" dirty="0"/>
-              <a:t>Readers shall be able to view if players are active or inactive on certain games.</a:t>
-            </a:r>
-          </a:p>
-          <a:p>
-            <a:r>
-              <a:rPr lang="en-US" dirty="0"/>
-              <a:t>Readers shall not change any stats or crucial data for any player or game.</a:t>
-            </a:r>
-          </a:p>
-          <a:p>
-            <a:r>
-              <a:rPr lang="en-US" dirty="0"/>
-              <a:t>Readers shall not access any database or have control of any information.</a:t>
-            </a:r>
-          </a:p>
-          <a:p>
-            <a:pPr marL="0" indent="0">
-              <a:buNone/>
-            </a:pPr>
-            <a:r>
-              <a:rPr lang="en-US" b="1" dirty="0"/>
-              <a:t> </a:t>
-            </a:r>
-            <a:endParaRPr lang="en-US" dirty="0"/>
-          </a:p>
-          <a:p>
-            <a:pPr marL="0" indent="0">
-              <a:buNone/>
-            </a:pPr>
-            <a:r>
-              <a:rPr lang="en-US" b="1" dirty="0"/>
-              <a:t>ADMIN:</a:t>
-            </a:r>
-            <a:endParaRPr lang="en-US" dirty="0"/>
-          </a:p>
-          <a:p>
-            <a:r>
-              <a:rPr lang="en-US" dirty="0"/>
-              <a:t>Admin shall be able to view players statistic data.</a:t>
-            </a:r>
-          </a:p>
-          <a:p>
-            <a:r>
-              <a:rPr lang="en-US" dirty="0"/>
-              <a:t>Admin shall be able to view current games and upcoming games.</a:t>
-            </a:r>
-          </a:p>
-          <a:p>
-            <a:r>
-              <a:rPr lang="en-US" dirty="0"/>
-              <a:t>Admin shall be able to view each team and their statistics.</a:t>
-            </a:r>
-          </a:p>
-          <a:p>
-            <a:r>
-              <a:rPr lang="en-US" dirty="0"/>
-              <a:t>Admin shall be able to view if players are active or inactive.</a:t>
-            </a:r>
-          </a:p>
-          <a:p>
-            <a:r>
-              <a:rPr lang="en-US" dirty="0"/>
-              <a:t>Admin shall be able to modify any data on the database.</a:t>
-            </a:r>
-          </a:p>
-          <a:p>
-            <a:r>
-              <a:rPr lang="en-US" dirty="0"/>
-              <a:t>Admin shall be able to remove any user off the database.</a:t>
-            </a:r>
-          </a:p>
-          <a:p>
-            <a:r>
-              <a:rPr lang="en-US" dirty="0"/>
-              <a:t>Admin shall be able to modify any tables in the database.</a:t>
-            </a:r>
-          </a:p>
-          <a:p>
-            <a:pPr marL="0" indent="0">
-              <a:buNone/>
-            </a:pPr>
-            <a:r>
-              <a:rPr lang="en-US" b="1" dirty="0"/>
-              <a:t> </a:t>
-            </a:r>
-            <a:endParaRPr lang="en-US" dirty="0"/>
-          </a:p>
-          <a:p>
-            <a:pPr marL="0" indent="0">
-              <a:buNone/>
-            </a:pPr>
-            <a:r>
-              <a:rPr lang="en-US" b="1" dirty="0"/>
-              <a:t>DATA:</a:t>
-            </a:r>
-            <a:endParaRPr lang="en-US" dirty="0"/>
-          </a:p>
-          <a:p>
-            <a:r>
-              <a:rPr lang="en-US" dirty="0"/>
-              <a:t>Data shall be able to change as the users update the players.</a:t>
-            </a:r>
-          </a:p>
-          <a:p>
-            <a:r>
-              <a:rPr lang="en-US" dirty="0"/>
-              <a:t>Data shall be able to change as the admin changes the database.</a:t>
-            </a:r>
-          </a:p>
-          <a:p>
-            <a:endParaRPr lang="en-US" dirty="0"/>
-          </a:p>
-        </p:txBody>
-      </p:sp>
     </p:spTree>
     <p:extLst>
       <p:ext uri="{BB962C8B-B14F-4D97-AF65-F5344CB8AC3E}">
-        <p14:creationId xmlns:p14="http://schemas.microsoft.com/office/powerpoint/2010/main" val="2780457492"/>
+        <p14:creationId xmlns:p14="http://schemas.microsoft.com/office/powerpoint/2010/main" val="1354008536"/>
       </p:ext>
     </p:extLst>
   </p:cSld>

--- a/documentation/431 Final Project.pptx
+++ b/documentation/431 Final Project.pptx
@@ -210,7 +210,7 @@
           <a:p>
             <a:fld id="{33F05A21-E01A-0B4F-8254-618F5BAC1FE6}" type="datetimeFigureOut">
               <a:rPr lang="en-US" smtClean="0"/>
-              <a:t>5/2/18</a:t>
+              <a:t>5/13/18</a:t>
             </a:fld>
             <a:endParaRPr lang="en-US"/>
           </a:p>
@@ -749,7 +749,7 @@
           <a:p>
             <a:fld id="{4F1905EF-67FE-A945-A76E-2D879EA58098}" type="datetimeFigureOut">
               <a:rPr lang="en-US" smtClean="0"/>
-              <a:t>5/2/18</a:t>
+              <a:t>5/13/18</a:t>
             </a:fld>
             <a:endParaRPr lang="en-US"/>
           </a:p>
@@ -1087,7 +1087,7 @@
           <a:p>
             <a:fld id="{4F1905EF-67FE-A945-A76E-2D879EA58098}" type="datetimeFigureOut">
               <a:rPr lang="en-US" smtClean="0"/>
-              <a:t>5/2/18</a:t>
+              <a:t>5/13/18</a:t>
             </a:fld>
             <a:endParaRPr lang="en-US"/>
           </a:p>
@@ -1488,7 +1488,7 @@
           <a:p>
             <a:fld id="{4F1905EF-67FE-A945-A76E-2D879EA58098}" type="datetimeFigureOut">
               <a:rPr lang="en-US" smtClean="0"/>
-              <a:t>5/2/18</a:t>
+              <a:t>5/13/18</a:t>
             </a:fld>
             <a:endParaRPr lang="en-US"/>
           </a:p>
@@ -1824,7 +1824,7 @@
           <a:p>
             <a:fld id="{4F1905EF-67FE-A945-A76E-2D879EA58098}" type="datetimeFigureOut">
               <a:rPr lang="en-US" smtClean="0"/>
-              <a:t>5/2/18</a:t>
+              <a:t>5/13/18</a:t>
             </a:fld>
             <a:endParaRPr lang="en-US"/>
           </a:p>
@@ -2144,7 +2144,7 @@
           <a:p>
             <a:fld id="{4F1905EF-67FE-A945-A76E-2D879EA58098}" type="datetimeFigureOut">
               <a:rPr lang="en-US" smtClean="0"/>
-              <a:t>5/2/18</a:t>
+              <a:t>5/13/18</a:t>
             </a:fld>
             <a:endParaRPr lang="en-US"/>
           </a:p>
@@ -2540,7 +2540,7 @@
           <a:p>
             <a:fld id="{4F1905EF-67FE-A945-A76E-2D879EA58098}" type="datetimeFigureOut">
               <a:rPr lang="en-US" smtClean="0"/>
-              <a:t>5/2/18</a:t>
+              <a:t>5/13/18</a:t>
             </a:fld>
             <a:endParaRPr lang="en-US"/>
           </a:p>
@@ -2797,7 +2797,7 @@
           <a:p>
             <a:fld id="{4F1905EF-67FE-A945-A76E-2D879EA58098}" type="datetimeFigureOut">
               <a:rPr lang="en-US" smtClean="0"/>
-              <a:t>5/2/18</a:t>
+              <a:t>5/13/18</a:t>
             </a:fld>
             <a:endParaRPr lang="en-US"/>
           </a:p>
@@ -3059,7 +3059,7 @@
           <a:p>
             <a:fld id="{4F1905EF-67FE-A945-A76E-2D879EA58098}" type="datetimeFigureOut">
               <a:rPr lang="en-US" smtClean="0"/>
-              <a:t>5/2/18</a:t>
+              <a:t>5/13/18</a:t>
             </a:fld>
             <a:endParaRPr lang="en-US"/>
           </a:p>
@@ -3321,7 +3321,7 @@
           <a:p>
             <a:fld id="{4F1905EF-67FE-A945-A76E-2D879EA58098}" type="datetimeFigureOut">
               <a:rPr lang="en-US" smtClean="0"/>
-              <a:t>5/2/18</a:t>
+              <a:t>5/13/18</a:t>
             </a:fld>
             <a:endParaRPr lang="en-US"/>
           </a:p>
@@ -3650,7 +3650,7 @@
           <a:p>
             <a:fld id="{4F1905EF-67FE-A945-A76E-2D879EA58098}" type="datetimeFigureOut">
               <a:rPr lang="en-US" smtClean="0"/>
-              <a:t>5/2/18</a:t>
+              <a:t>5/13/18</a:t>
             </a:fld>
             <a:endParaRPr lang="en-US"/>
           </a:p>
@@ -3973,7 +3973,7 @@
           <a:p>
             <a:fld id="{4F1905EF-67FE-A945-A76E-2D879EA58098}" type="datetimeFigureOut">
               <a:rPr lang="en-US" smtClean="0"/>
-              <a:t>5/2/18</a:t>
+              <a:t>5/13/18</a:t>
             </a:fld>
             <a:endParaRPr lang="en-US"/>
           </a:p>
@@ -4430,7 +4430,7 @@
           <a:p>
             <a:fld id="{4F1905EF-67FE-A945-A76E-2D879EA58098}" type="datetimeFigureOut">
               <a:rPr lang="en-US" smtClean="0"/>
-              <a:t>5/2/18</a:t>
+              <a:t>5/13/18</a:t>
             </a:fld>
             <a:endParaRPr lang="en-US"/>
           </a:p>
@@ -4635,7 +4635,7 @@
           <a:p>
             <a:fld id="{4F1905EF-67FE-A945-A76E-2D879EA58098}" type="datetimeFigureOut">
               <a:rPr lang="en-US" smtClean="0"/>
-              <a:t>5/2/18</a:t>
+              <a:t>5/13/18</a:t>
             </a:fld>
             <a:endParaRPr lang="en-US"/>
           </a:p>
@@ -4812,7 +4812,7 @@
           <a:p>
             <a:fld id="{4F1905EF-67FE-A945-A76E-2D879EA58098}" type="datetimeFigureOut">
               <a:rPr lang="en-US" smtClean="0"/>
-              <a:t>5/2/18</a:t>
+              <a:t>5/13/18</a:t>
             </a:fld>
             <a:endParaRPr lang="en-US"/>
           </a:p>
@@ -5145,7 +5145,7 @@
           <a:p>
             <a:fld id="{4F1905EF-67FE-A945-A76E-2D879EA58098}" type="datetimeFigureOut">
               <a:rPr lang="en-US" smtClean="0"/>
-              <a:t>5/2/18</a:t>
+              <a:t>5/13/18</a:t>
             </a:fld>
             <a:endParaRPr lang="en-US"/>
           </a:p>
@@ -5490,7 +5490,7 @@
           <a:p>
             <a:fld id="{4F1905EF-67FE-A945-A76E-2D879EA58098}" type="datetimeFigureOut">
               <a:rPr lang="en-US" smtClean="0"/>
-              <a:t>5/2/18</a:t>
+              <a:t>5/13/18</a:t>
             </a:fld>
             <a:endParaRPr lang="en-US"/>
           </a:p>
@@ -7627,7 +7627,7 @@
           <a:p>
             <a:fld id="{4F1905EF-67FE-A945-A76E-2D879EA58098}" type="datetimeFigureOut">
               <a:rPr lang="en-US" smtClean="0"/>
-              <a:t>5/2/18</a:t>
+              <a:t>5/13/18</a:t>
             </a:fld>
             <a:endParaRPr lang="en-US"/>
           </a:p>
@@ -9431,17 +9431,15 @@
           </p:nvPr>
         </p:nvPicPr>
         <p:blipFill>
-          <a:blip r:embed="rId2">
-            <a:alphaModFix amt="80000"/>
-          </a:blip>
+          <a:blip r:embed="rId2"/>
           <a:stretch>
             <a:fillRect/>
           </a:stretch>
         </p:blipFill>
         <p:spPr>
           <a:xfrm>
-            <a:off x="1345474" y="1214438"/>
-            <a:ext cx="10175966" cy="5186362"/>
+            <a:off x="2052976" y="1214438"/>
+            <a:ext cx="8760962" cy="5186362"/>
           </a:xfrm>
           <a:gradFill>
             <a:gsLst>
@@ -9545,17 +9543,15 @@
           </p:nvPr>
         </p:nvPicPr>
         <p:blipFill>
-          <a:blip r:embed="rId2">
-            <a:alphaModFix amt="80000"/>
-          </a:blip>
+          <a:blip r:embed="rId2"/>
           <a:stretch>
             <a:fillRect/>
           </a:stretch>
         </p:blipFill>
         <p:spPr>
           <a:xfrm>
-            <a:off x="1481558" y="1260938"/>
-            <a:ext cx="9948442" cy="5354176"/>
+            <a:off x="1481559" y="1260938"/>
+            <a:ext cx="9716872" cy="5354176"/>
           </a:xfrm>
           <a:gradFill>
             <a:gsLst>
@@ -9663,8 +9659,8 @@
         </p:blipFill>
         <p:spPr>
           <a:xfrm>
-            <a:off x="6517037" y="1709648"/>
-            <a:ext cx="5299385" cy="4194172"/>
+            <a:off x="6517037" y="1885507"/>
+            <a:ext cx="5299385" cy="3842454"/>
           </a:xfrm>
           <a:prstGeom prst="rect">
             <a:avLst/>
@@ -9714,8 +9710,8 @@
         </p:blipFill>
         <p:spPr>
           <a:xfrm>
-            <a:off x="828610" y="1709648"/>
-            <a:ext cx="5567545" cy="4194172"/>
+            <a:off x="1245512" y="1709648"/>
+            <a:ext cx="4733740" cy="4194172"/>
           </a:xfrm>
           <a:gradFill>
             <a:gsLst>
@@ -10541,17 +10537,15 @@
           </p:nvPr>
         </p:nvPicPr>
         <p:blipFill>
-          <a:blip r:embed="rId2">
-            <a:alphaModFix amt="75000"/>
-          </a:blip>
+          <a:blip r:embed="rId2"/>
           <a:stretch>
             <a:fillRect/>
           </a:stretch>
         </p:blipFill>
         <p:spPr>
           <a:xfrm>
-            <a:off x="822960" y="1493520"/>
-            <a:ext cx="10302240" cy="5120640"/>
+            <a:off x="822959" y="1493520"/>
+            <a:ext cx="10066713" cy="5120640"/>
           </a:xfrm>
           <a:prstGeom prst="rect">
             <a:avLst/>

--- a/documentation/431 Final Project.pptx
+++ b/documentation/431 Final Project.pptx
@@ -210,7 +210,7 @@
           <a:p>
             <a:fld id="{33F05A21-E01A-0B4F-8254-618F5BAC1FE6}" type="datetimeFigureOut">
               <a:rPr lang="en-US" smtClean="0"/>
-              <a:t>5/13/18</a:t>
+              <a:t>5/14/18</a:t>
             </a:fld>
             <a:endParaRPr lang="en-US"/>
           </a:p>
@@ -749,7 +749,7 @@
           <a:p>
             <a:fld id="{4F1905EF-67FE-A945-A76E-2D879EA58098}" type="datetimeFigureOut">
               <a:rPr lang="en-US" smtClean="0"/>
-              <a:t>5/13/18</a:t>
+              <a:t>5/14/18</a:t>
             </a:fld>
             <a:endParaRPr lang="en-US"/>
           </a:p>
@@ -1087,7 +1087,7 @@
           <a:p>
             <a:fld id="{4F1905EF-67FE-A945-A76E-2D879EA58098}" type="datetimeFigureOut">
               <a:rPr lang="en-US" smtClean="0"/>
-              <a:t>5/13/18</a:t>
+              <a:t>5/14/18</a:t>
             </a:fld>
             <a:endParaRPr lang="en-US"/>
           </a:p>
@@ -1488,7 +1488,7 @@
           <a:p>
             <a:fld id="{4F1905EF-67FE-A945-A76E-2D879EA58098}" type="datetimeFigureOut">
               <a:rPr lang="en-US" smtClean="0"/>
-              <a:t>5/13/18</a:t>
+              <a:t>5/14/18</a:t>
             </a:fld>
             <a:endParaRPr lang="en-US"/>
           </a:p>
@@ -1824,7 +1824,7 @@
           <a:p>
             <a:fld id="{4F1905EF-67FE-A945-A76E-2D879EA58098}" type="datetimeFigureOut">
               <a:rPr lang="en-US" smtClean="0"/>
-              <a:t>5/13/18</a:t>
+              <a:t>5/14/18</a:t>
             </a:fld>
             <a:endParaRPr lang="en-US"/>
           </a:p>
@@ -2144,7 +2144,7 @@
           <a:p>
             <a:fld id="{4F1905EF-67FE-A945-A76E-2D879EA58098}" type="datetimeFigureOut">
               <a:rPr lang="en-US" smtClean="0"/>
-              <a:t>5/13/18</a:t>
+              <a:t>5/14/18</a:t>
             </a:fld>
             <a:endParaRPr lang="en-US"/>
           </a:p>
@@ -2540,7 +2540,7 @@
           <a:p>
             <a:fld id="{4F1905EF-67FE-A945-A76E-2D879EA58098}" type="datetimeFigureOut">
               <a:rPr lang="en-US" smtClean="0"/>
-              <a:t>5/13/18</a:t>
+              <a:t>5/14/18</a:t>
             </a:fld>
             <a:endParaRPr lang="en-US"/>
           </a:p>
@@ -2797,7 +2797,7 @@
           <a:p>
             <a:fld id="{4F1905EF-67FE-A945-A76E-2D879EA58098}" type="datetimeFigureOut">
               <a:rPr lang="en-US" smtClean="0"/>
-              <a:t>5/13/18</a:t>
+              <a:t>5/14/18</a:t>
             </a:fld>
             <a:endParaRPr lang="en-US"/>
           </a:p>
@@ -3059,7 +3059,7 @@
           <a:p>
             <a:fld id="{4F1905EF-67FE-A945-A76E-2D879EA58098}" type="datetimeFigureOut">
               <a:rPr lang="en-US" smtClean="0"/>
-              <a:t>5/13/18</a:t>
+              <a:t>5/14/18</a:t>
             </a:fld>
             <a:endParaRPr lang="en-US"/>
           </a:p>
@@ -3321,7 +3321,7 @@
           <a:p>
             <a:fld id="{4F1905EF-67FE-A945-A76E-2D879EA58098}" type="datetimeFigureOut">
               <a:rPr lang="en-US" smtClean="0"/>
-              <a:t>5/13/18</a:t>
+              <a:t>5/14/18</a:t>
             </a:fld>
             <a:endParaRPr lang="en-US"/>
           </a:p>
@@ -3650,7 +3650,7 @@
           <a:p>
             <a:fld id="{4F1905EF-67FE-A945-A76E-2D879EA58098}" type="datetimeFigureOut">
               <a:rPr lang="en-US" smtClean="0"/>
-              <a:t>5/13/18</a:t>
+              <a:t>5/14/18</a:t>
             </a:fld>
             <a:endParaRPr lang="en-US"/>
           </a:p>
@@ -3973,7 +3973,7 @@
           <a:p>
             <a:fld id="{4F1905EF-67FE-A945-A76E-2D879EA58098}" type="datetimeFigureOut">
               <a:rPr lang="en-US" smtClean="0"/>
-              <a:t>5/13/18</a:t>
+              <a:t>5/14/18</a:t>
             </a:fld>
             <a:endParaRPr lang="en-US"/>
           </a:p>
@@ -4430,7 +4430,7 @@
           <a:p>
             <a:fld id="{4F1905EF-67FE-A945-A76E-2D879EA58098}" type="datetimeFigureOut">
               <a:rPr lang="en-US" smtClean="0"/>
-              <a:t>5/13/18</a:t>
+              <a:t>5/14/18</a:t>
             </a:fld>
             <a:endParaRPr lang="en-US"/>
           </a:p>
@@ -4635,7 +4635,7 @@
           <a:p>
             <a:fld id="{4F1905EF-67FE-A945-A76E-2D879EA58098}" type="datetimeFigureOut">
               <a:rPr lang="en-US" smtClean="0"/>
-              <a:t>5/13/18</a:t>
+              <a:t>5/14/18</a:t>
             </a:fld>
             <a:endParaRPr lang="en-US"/>
           </a:p>
@@ -4812,7 +4812,7 @@
           <a:p>
             <a:fld id="{4F1905EF-67FE-A945-A76E-2D879EA58098}" type="datetimeFigureOut">
               <a:rPr lang="en-US" smtClean="0"/>
-              <a:t>5/13/18</a:t>
+              <a:t>5/14/18</a:t>
             </a:fld>
             <a:endParaRPr lang="en-US"/>
           </a:p>
@@ -5145,7 +5145,7 @@
           <a:p>
             <a:fld id="{4F1905EF-67FE-A945-A76E-2D879EA58098}" type="datetimeFigureOut">
               <a:rPr lang="en-US" smtClean="0"/>
-              <a:t>5/13/18</a:t>
+              <a:t>5/14/18</a:t>
             </a:fld>
             <a:endParaRPr lang="en-US"/>
           </a:p>
@@ -5490,7 +5490,7 @@
           <a:p>
             <a:fld id="{4F1905EF-67FE-A945-A76E-2D879EA58098}" type="datetimeFigureOut">
               <a:rPr lang="en-US" smtClean="0"/>
-              <a:t>5/13/18</a:t>
+              <a:t>5/14/18</a:t>
             </a:fld>
             <a:endParaRPr lang="en-US"/>
           </a:p>
@@ -7627,7 +7627,7 @@
           <a:p>
             <a:fld id="{4F1905EF-67FE-A945-A76E-2D879EA58098}" type="datetimeFigureOut">
               <a:rPr lang="en-US" smtClean="0"/>
-              <a:t>5/13/18</a:t>
+              <a:t>5/14/18</a:t>
             </a:fld>
             <a:endParaRPr lang="en-US"/>
           </a:p>
@@ -9318,17 +9318,15 @@
           </p:nvPr>
         </p:nvPicPr>
         <p:blipFill>
-          <a:blip r:embed="rId2">
-            <a:alphaModFix amt="80000"/>
-          </a:blip>
+          <a:blip r:embed="rId2"/>
           <a:stretch>
             <a:fillRect/>
           </a:stretch>
         </p:blipFill>
         <p:spPr>
           <a:xfrm>
-            <a:off x="1185863" y="1385888"/>
-            <a:ext cx="10029825" cy="5079206"/>
+            <a:off x="1092530" y="1385888"/>
+            <a:ext cx="10058400" cy="5079206"/>
           </a:xfrm>
           <a:gradFill>
             <a:gsLst>
@@ -9438,8 +9436,8 @@
         </p:blipFill>
         <p:spPr>
           <a:xfrm>
-            <a:off x="2052976" y="1214438"/>
-            <a:ext cx="8760962" cy="5186362"/>
+            <a:off x="1345473" y="1214438"/>
+            <a:ext cx="9686703" cy="5186362"/>
           </a:xfrm>
           <a:gradFill>
             <a:gsLst>
@@ -9550,8 +9548,8 @@
         </p:blipFill>
         <p:spPr>
           <a:xfrm>
-            <a:off x="1481559" y="1260938"/>
-            <a:ext cx="9716872" cy="5354176"/>
+            <a:off x="1377539" y="1260938"/>
+            <a:ext cx="9927770" cy="5354176"/>
           </a:xfrm>
           <a:gradFill>
             <a:gsLst>
@@ -9659,8 +9657,8 @@
         </p:blipFill>
         <p:spPr>
           <a:xfrm>
-            <a:off x="6517037" y="1885507"/>
-            <a:ext cx="5299385" cy="3842454"/>
+            <a:off x="6517037" y="2141080"/>
+            <a:ext cx="5299385" cy="3331307"/>
           </a:xfrm>
           <a:prstGeom prst="rect">
             <a:avLst/>
@@ -9710,8 +9708,8 @@
         </p:blipFill>
         <p:spPr>
           <a:xfrm>
-            <a:off x="1245512" y="1709648"/>
-            <a:ext cx="4733740" cy="4194172"/>
+            <a:off x="554229" y="2127433"/>
+            <a:ext cx="5706077" cy="3344954"/>
           </a:xfrm>
           <a:gradFill>
             <a:gsLst>
